--- a/Apresentação_Rabello.pptx
+++ b/Apresentação_Rabello.pptx
@@ -327,7 +327,7 @@
             <a:fld id="{1D8BD707-D9CF-40AE-B4C6-C98DA3205C09}" type="datetimeFigureOut">
               <a:rPr lang="en-US" smtClean="0"/>
               <a:pPr/>
-              <a:t>5/10/2022</a:t>
+              <a:t>5/11/2022</a:t>
             </a:fld>
             <a:endParaRPr lang="en-US"/>
           </a:p>
@@ -495,7 +495,7 @@
             <a:fld id="{1D8BD707-D9CF-40AE-B4C6-C98DA3205C09}" type="datetimeFigureOut">
               <a:rPr lang="en-US" smtClean="0"/>
               <a:pPr/>
-              <a:t>5/10/2022</a:t>
+              <a:t>5/11/2022</a:t>
             </a:fld>
             <a:endParaRPr lang="en-US"/>
           </a:p>
@@ -673,7 +673,7 @@
             <a:fld id="{1D8BD707-D9CF-40AE-B4C6-C98DA3205C09}" type="datetimeFigureOut">
               <a:rPr lang="en-US" smtClean="0"/>
               <a:pPr/>
-              <a:t>5/10/2022</a:t>
+              <a:t>5/11/2022</a:t>
             </a:fld>
             <a:endParaRPr lang="en-US"/>
           </a:p>
@@ -841,7 +841,7 @@
             <a:fld id="{1D8BD707-D9CF-40AE-B4C6-C98DA3205C09}" type="datetimeFigureOut">
               <a:rPr lang="en-US" smtClean="0"/>
               <a:pPr/>
-              <a:t>5/10/2022</a:t>
+              <a:t>5/11/2022</a:t>
             </a:fld>
             <a:endParaRPr lang="en-US"/>
           </a:p>
@@ -1086,7 +1086,7 @@
             <a:fld id="{1D8BD707-D9CF-40AE-B4C6-C98DA3205C09}" type="datetimeFigureOut">
               <a:rPr lang="en-US" smtClean="0"/>
               <a:pPr/>
-              <a:t>5/10/2022</a:t>
+              <a:t>5/11/2022</a:t>
             </a:fld>
             <a:endParaRPr lang="en-US"/>
           </a:p>
@@ -1371,7 +1371,7 @@
             <a:fld id="{1D8BD707-D9CF-40AE-B4C6-C98DA3205C09}" type="datetimeFigureOut">
               <a:rPr lang="en-US" smtClean="0"/>
               <a:pPr/>
-              <a:t>5/10/2022</a:t>
+              <a:t>5/11/2022</a:t>
             </a:fld>
             <a:endParaRPr lang="en-US"/>
           </a:p>
@@ -1790,7 +1790,7 @@
             <a:fld id="{1D8BD707-D9CF-40AE-B4C6-C98DA3205C09}" type="datetimeFigureOut">
               <a:rPr lang="en-US" smtClean="0"/>
               <a:pPr/>
-              <a:t>5/10/2022</a:t>
+              <a:t>5/11/2022</a:t>
             </a:fld>
             <a:endParaRPr lang="en-US"/>
           </a:p>
@@ -1907,7 +1907,7 @@
             <a:fld id="{1D8BD707-D9CF-40AE-B4C6-C98DA3205C09}" type="datetimeFigureOut">
               <a:rPr lang="en-US" smtClean="0"/>
               <a:pPr/>
-              <a:t>5/10/2022</a:t>
+              <a:t>5/11/2022</a:t>
             </a:fld>
             <a:endParaRPr lang="en-US"/>
           </a:p>
@@ -2002,7 +2002,7 @@
             <a:fld id="{1D8BD707-D9CF-40AE-B4C6-C98DA3205C09}" type="datetimeFigureOut">
               <a:rPr lang="en-US" smtClean="0"/>
               <a:pPr/>
-              <a:t>5/10/2022</a:t>
+              <a:t>5/11/2022</a:t>
             </a:fld>
             <a:endParaRPr lang="en-US"/>
           </a:p>
@@ -2277,7 +2277,7 @@
             <a:fld id="{1D8BD707-D9CF-40AE-B4C6-C98DA3205C09}" type="datetimeFigureOut">
               <a:rPr lang="en-US" smtClean="0"/>
               <a:pPr/>
-              <a:t>5/10/2022</a:t>
+              <a:t>5/11/2022</a:t>
             </a:fld>
             <a:endParaRPr lang="en-US"/>
           </a:p>
@@ -2529,7 +2529,7 @@
             <a:fld id="{1D8BD707-D9CF-40AE-B4C6-C98DA3205C09}" type="datetimeFigureOut">
               <a:rPr lang="en-US" smtClean="0"/>
               <a:pPr/>
-              <a:t>5/10/2022</a:t>
+              <a:t>5/11/2022</a:t>
             </a:fld>
             <a:endParaRPr lang="en-US"/>
           </a:p>
@@ -2740,7 +2740,7 @@
             <a:fld id="{1D8BD707-D9CF-40AE-B4C6-C98DA3205C09}" type="datetimeFigureOut">
               <a:rPr lang="en-US" smtClean="0"/>
               <a:pPr/>
-              <a:t>5/10/2022</a:t>
+              <a:t>5/11/2022</a:t>
             </a:fld>
             <a:endParaRPr lang="en-US"/>
           </a:p>
@@ -3130,7 +3130,7 @@
         </p:nvSpPr>
         <p:spPr>
           <a:xfrm>
-            <a:off x="731520" y="1631032"/>
+            <a:off x="838200" y="1203326"/>
             <a:ext cx="8290560" cy="1120774"/>
           </a:xfrm>
           <a:prstGeom prst="rect">
@@ -3667,7 +3667,7 @@
         </p:nvSpPr>
         <p:spPr>
           <a:xfrm>
-            <a:off x="3566324" y="3615468"/>
+            <a:off x="2148922" y="2600531"/>
             <a:ext cx="5455756" cy="3406362"/>
           </a:xfrm>
           <a:prstGeom prst="rect">
@@ -4159,21 +4159,27 @@
       </p:sp>
       <p:sp>
         <p:nvSpPr>
-          <p:cNvPr id="4" name="TextBox 4"/>
+          <p:cNvPr id="5" name="TextBox 3">
+            <a:extLst>
+              <a:ext uri="{FF2B5EF4-FFF2-40B4-BE49-F238E27FC236}">
+                <a16:creationId xmlns:a16="http://schemas.microsoft.com/office/drawing/2014/main" id="{D9AF2D04-8111-161E-8AB9-E2F5B3C4875D}"/>
+              </a:ext>
+            </a:extLst>
+          </p:cNvPr>
           <p:cNvSpPr txBox="1"/>
           <p:nvPr/>
         </p:nvSpPr>
         <p:spPr>
-          <a:xfrm>
-            <a:off x="2714649" y="3182938"/>
-            <a:ext cx="4324302" cy="1120774"/>
+          <a:xfrm rot="16200000">
+            <a:off x="6155270" y="3293530"/>
+            <a:ext cx="6305502" cy="1090042"/>
           </a:xfrm>
           <a:prstGeom prst="rect">
             <a:avLst/>
           </a:prstGeom>
         </p:spPr>
         <p:txBody>
-          <a:bodyPr lIns="0" tIns="0" rIns="0" bIns="0" rtlCol="0" anchor="t">
+          <a:bodyPr wrap="square" lIns="0" tIns="0" rIns="0" bIns="0" rtlCol="0" anchor="t">
             <a:spAutoFit/>
           </a:bodyPr>
           <a:lstStyle/>
@@ -4184,24 +4190,38 @@
               </a:lnSpc>
             </a:pPr>
             <a:r>
+              <a:rPr lang="en-US" sz="8499" dirty="0">
+                <a:solidFill>
+                  <a:srgbClr val="201F1F">
+                    <a:alpha val="28627"/>
+                  </a:srgbClr>
+                </a:solidFill>
+                <a:latin typeface="Montserrat Semi-Bold"/>
+              </a:rPr>
+              <a:t>R a b e l </a:t>
+            </a:r>
+            <a:r>
               <a:rPr lang="en-US" sz="8499" dirty="0" err="1">
                 <a:solidFill>
                   <a:srgbClr val="201F1F">
-                    <a:alpha val="11765"/>
+                    <a:alpha val="28627"/>
                   </a:srgbClr>
                 </a:solidFill>
                 <a:latin typeface="Montserrat Semi-Bold"/>
               </a:rPr>
-              <a:t>Rabello</a:t>
-            </a:r>
-            <a:endParaRPr lang="en-US" sz="8499" dirty="0">
-              <a:solidFill>
-                <a:srgbClr val="201F1F">
-                  <a:alpha val="11765"/>
-                </a:srgbClr>
-              </a:solidFill>
-              <a:latin typeface="Montserrat Semi-Bold"/>
-            </a:endParaRPr>
+              <a:t>l</a:t>
+            </a:r>
+            <a:r>
+              <a:rPr lang="en-US" sz="8499" dirty="0">
+                <a:solidFill>
+                  <a:srgbClr val="201F1F">
+                    <a:alpha val="28627"/>
+                  </a:srgbClr>
+                </a:solidFill>
+                <a:latin typeface="Montserrat Semi-Bold"/>
+              </a:rPr>
+              <a:t> o</a:t>
+            </a:r>
           </a:p>
         </p:txBody>
       </p:sp>
@@ -4565,16 +4585,16 @@
           <p:nvPr/>
         </p:nvSpPr>
         <p:spPr>
-          <a:xfrm>
-            <a:off x="2714649" y="3431204"/>
-            <a:ext cx="4324302" cy="1120774"/>
+          <a:xfrm rot="16200000">
+            <a:off x="6013026" y="3570868"/>
+            <a:ext cx="6098178" cy="1090042"/>
           </a:xfrm>
           <a:prstGeom prst="rect">
             <a:avLst/>
           </a:prstGeom>
         </p:spPr>
         <p:txBody>
-          <a:bodyPr lIns="0" tIns="0" rIns="0" bIns="0" rtlCol="0" anchor="t">
+          <a:bodyPr wrap="square" lIns="0" tIns="0" rIns="0" bIns="0" rtlCol="0" anchor="t">
             <a:spAutoFit/>
           </a:bodyPr>
           <a:lstStyle/>
@@ -4585,7 +4605,7 @@
               </a:lnSpc>
             </a:pPr>
             <a:r>
-              <a:rPr lang="en-US" sz="8499" dirty="0" err="1">
+              <a:rPr lang="en-US" sz="8499" dirty="0">
                 <a:solidFill>
                   <a:srgbClr val="FFFFFF">
                     <a:alpha val="8627"/>
@@ -4593,16 +4613,30 @@
                 </a:solidFill>
                 <a:latin typeface="Montserrat Semi-Bold"/>
               </a:rPr>
-              <a:t>Rabello</a:t>
-            </a:r>
-            <a:endParaRPr lang="en-US" sz="8499" dirty="0">
-              <a:solidFill>
-                <a:srgbClr val="FFFFFF">
-                  <a:alpha val="8627"/>
-                </a:srgbClr>
-              </a:solidFill>
-              <a:latin typeface="Montserrat Semi-Bold"/>
-            </a:endParaRPr>
+              <a:t>R a b e l </a:t>
+            </a:r>
+            <a:r>
+              <a:rPr lang="en-US" sz="8499" dirty="0" err="1">
+                <a:solidFill>
+                  <a:srgbClr val="FFFFFF">
+                    <a:alpha val="8627"/>
+                  </a:srgbClr>
+                </a:solidFill>
+                <a:latin typeface="Montserrat Semi-Bold"/>
+              </a:rPr>
+              <a:t>l</a:t>
+            </a:r>
+            <a:r>
+              <a:rPr lang="en-US" sz="8499" dirty="0">
+                <a:solidFill>
+                  <a:srgbClr val="FFFFFF">
+                    <a:alpha val="8627"/>
+                  </a:srgbClr>
+                </a:solidFill>
+                <a:latin typeface="Montserrat Semi-Bold"/>
+              </a:rPr>
+              <a:t> o</a:t>
+            </a:r>
           </a:p>
         </p:txBody>
       </p:sp>
@@ -4650,7 +4684,7 @@
         </p:nvSpPr>
         <p:spPr>
           <a:xfrm>
-            <a:off x="787078" y="2362200"/>
+            <a:off x="685800" y="2362200"/>
             <a:ext cx="8179443" cy="3447098"/>
           </a:xfrm>
           <a:prstGeom prst="rect">
@@ -4714,16 +4748,16 @@
           <p:nvPr/>
         </p:nvSpPr>
         <p:spPr>
-          <a:xfrm>
-            <a:off x="731520" y="708026"/>
-            <a:ext cx="4324302" cy="1120774"/>
+          <a:xfrm rot="16200000">
+            <a:off x="6155270" y="3293530"/>
+            <a:ext cx="6305502" cy="1090042"/>
           </a:xfrm>
           <a:prstGeom prst="rect">
             <a:avLst/>
           </a:prstGeom>
         </p:spPr>
         <p:txBody>
-          <a:bodyPr lIns="0" tIns="0" rIns="0" bIns="0" rtlCol="0" anchor="t">
+          <a:bodyPr wrap="square" lIns="0" tIns="0" rIns="0" bIns="0" rtlCol="0" anchor="t">
             <a:spAutoFit/>
           </a:bodyPr>
           <a:lstStyle/>
@@ -4734,7 +4768,7 @@
               </a:lnSpc>
             </a:pPr>
             <a:r>
-              <a:rPr lang="en-US" sz="8499" dirty="0" err="1">
+              <a:rPr lang="en-US" sz="8499" dirty="0">
                 <a:solidFill>
                   <a:srgbClr val="201F1F">
                     <a:alpha val="28627"/>
@@ -4742,16 +4776,30 @@
                 </a:solidFill>
                 <a:latin typeface="Montserrat Semi-Bold"/>
               </a:rPr>
-              <a:t>Rabello</a:t>
-            </a:r>
-            <a:endParaRPr lang="en-US" sz="8499" dirty="0">
-              <a:solidFill>
-                <a:srgbClr val="201F1F">
-                  <a:alpha val="28627"/>
-                </a:srgbClr>
-              </a:solidFill>
-              <a:latin typeface="Montserrat Semi-Bold"/>
-            </a:endParaRPr>
+              <a:t>R a b e l </a:t>
+            </a:r>
+            <a:r>
+              <a:rPr lang="en-US" sz="8499" dirty="0" err="1">
+                <a:solidFill>
+                  <a:srgbClr val="201F1F">
+                    <a:alpha val="28627"/>
+                  </a:srgbClr>
+                </a:solidFill>
+                <a:latin typeface="Montserrat Semi-Bold"/>
+              </a:rPr>
+              <a:t>l</a:t>
+            </a:r>
+            <a:r>
+              <a:rPr lang="en-US" sz="8499" dirty="0">
+                <a:solidFill>
+                  <a:srgbClr val="201F1F">
+                    <a:alpha val="28627"/>
+                  </a:srgbClr>
+                </a:solidFill>
+                <a:latin typeface="Montserrat Semi-Bold"/>
+              </a:rPr>
+              <a:t> o</a:t>
+            </a:r>
           </a:p>
         </p:txBody>
       </p:sp>

--- a/Apresentação_Rabello.pptx
+++ b/Apresentação_Rabello.pptx
@@ -8,29 +8,30 @@
     <p:sldId id="256" r:id="rId2"/>
     <p:sldId id="257" r:id="rId3"/>
     <p:sldId id="258" r:id="rId4"/>
-    <p:sldId id="259" r:id="rId5"/>
-    <p:sldId id="260" r:id="rId6"/>
+    <p:sldId id="262" r:id="rId5"/>
+    <p:sldId id="259" r:id="rId6"/>
+    <p:sldId id="260" r:id="rId7"/>
   </p:sldIdLst>
   <p:sldSz cx="9753600" cy="7315200"/>
   <p:notesSz cx="6858000" cy="9144000"/>
   <p:embeddedFontLst>
     <p:embeddedFont>
       <p:font typeface="Calibri" panose="020F0502020204030204" pitchFamily="34" charset="0"/>
-      <p:regular r:id="rId7"/>
-      <p:bold r:id="rId8"/>
-      <p:italic r:id="rId9"/>
-      <p:boldItalic r:id="rId10"/>
+      <p:regular r:id="rId8"/>
+      <p:bold r:id="rId9"/>
+      <p:italic r:id="rId10"/>
+      <p:boldItalic r:id="rId11"/>
     </p:embeddedFont>
     <p:embeddedFont>
       <p:font typeface="Montserrat" panose="00000500000000000000" pitchFamily="2" charset="0"/>
-      <p:regular r:id="rId11"/>
-      <p:bold r:id="rId12"/>
-      <p:italic r:id="rId13"/>
-      <p:boldItalic r:id="rId14"/>
+      <p:regular r:id="rId12"/>
+      <p:bold r:id="rId13"/>
+      <p:italic r:id="rId14"/>
+      <p:boldItalic r:id="rId15"/>
     </p:embeddedFont>
     <p:embeddedFont>
       <p:font typeface="Montserrat Semi-Bold" panose="020B0604020202020204" charset="0"/>
-      <p:regular r:id="rId15"/>
+      <p:regular r:id="rId16"/>
     </p:embeddedFont>
   </p:embeddedFontLst>
   <p:defaultTextStyle>
@@ -381,9 +382,18 @@
   <p:clrMapOvr>
     <a:masterClrMapping/>
   </p:clrMapOvr>
-  <p:transition spd="slow">
-    <p:wipe/>
-  </p:transition>
+  <mc:AlternateContent xmlns:mc="http://schemas.openxmlformats.org/markup-compatibility/2006">
+    <mc:Choice xmlns:p14="http://schemas.microsoft.com/office/powerpoint/2010/main" Requires="p14">
+      <p:transition spd="slow" p14:dur="1500">
+        <p:split orient="vert"/>
+      </p:transition>
+    </mc:Choice>
+    <mc:Fallback>
+      <p:transition spd="slow">
+        <p:split orient="vert"/>
+      </p:transition>
+    </mc:Fallback>
+  </mc:AlternateContent>
 </p:sldLayout>
 </file>
 
@@ -549,9 +559,18 @@
   <p:clrMapOvr>
     <a:masterClrMapping/>
   </p:clrMapOvr>
-  <p:transition spd="slow">
-    <p:wipe/>
-  </p:transition>
+  <mc:AlternateContent xmlns:mc="http://schemas.openxmlformats.org/markup-compatibility/2006">
+    <mc:Choice xmlns:p14="http://schemas.microsoft.com/office/powerpoint/2010/main" Requires="p14">
+      <p:transition spd="slow" p14:dur="1500">
+        <p:split orient="vert"/>
+      </p:transition>
+    </mc:Choice>
+    <mc:Fallback>
+      <p:transition spd="slow">
+        <p:split orient="vert"/>
+      </p:transition>
+    </mc:Fallback>
+  </mc:AlternateContent>
 </p:sldLayout>
 </file>
 
@@ -727,9 +746,18 @@
   <p:clrMapOvr>
     <a:masterClrMapping/>
   </p:clrMapOvr>
-  <p:transition spd="slow">
-    <p:wipe/>
-  </p:transition>
+  <mc:AlternateContent xmlns:mc="http://schemas.openxmlformats.org/markup-compatibility/2006">
+    <mc:Choice xmlns:p14="http://schemas.microsoft.com/office/powerpoint/2010/main" Requires="p14">
+      <p:transition spd="slow" p14:dur="1500">
+        <p:split orient="vert"/>
+      </p:transition>
+    </mc:Choice>
+    <mc:Fallback>
+      <p:transition spd="slow">
+        <p:split orient="vert"/>
+      </p:transition>
+    </mc:Fallback>
+  </mc:AlternateContent>
 </p:sldLayout>
 </file>
 
@@ -895,9 +923,18 @@
   <p:clrMapOvr>
     <a:masterClrMapping/>
   </p:clrMapOvr>
-  <p:transition spd="slow">
-    <p:wipe/>
-  </p:transition>
+  <mc:AlternateContent xmlns:mc="http://schemas.openxmlformats.org/markup-compatibility/2006">
+    <mc:Choice xmlns:p14="http://schemas.microsoft.com/office/powerpoint/2010/main" Requires="p14">
+      <p:transition spd="slow" p14:dur="1500">
+        <p:split orient="vert"/>
+      </p:transition>
+    </mc:Choice>
+    <mc:Fallback>
+      <p:transition spd="slow">
+        <p:split orient="vert"/>
+      </p:transition>
+    </mc:Fallback>
+  </mc:AlternateContent>
 </p:sldLayout>
 </file>
 
@@ -1140,9 +1177,18 @@
   <p:clrMapOvr>
     <a:masterClrMapping/>
   </p:clrMapOvr>
-  <p:transition spd="slow">
-    <p:wipe/>
-  </p:transition>
+  <mc:AlternateContent xmlns:mc="http://schemas.openxmlformats.org/markup-compatibility/2006">
+    <mc:Choice xmlns:p14="http://schemas.microsoft.com/office/powerpoint/2010/main" Requires="p14">
+      <p:transition spd="slow" p14:dur="1500">
+        <p:split orient="vert"/>
+      </p:transition>
+    </mc:Choice>
+    <mc:Fallback>
+      <p:transition spd="slow">
+        <p:split orient="vert"/>
+      </p:transition>
+    </mc:Fallback>
+  </mc:AlternateContent>
 </p:sldLayout>
 </file>
 
@@ -1425,9 +1471,18 @@
   <p:clrMapOvr>
     <a:masterClrMapping/>
   </p:clrMapOvr>
-  <p:transition spd="slow">
-    <p:wipe/>
-  </p:transition>
+  <mc:AlternateContent xmlns:mc="http://schemas.openxmlformats.org/markup-compatibility/2006">
+    <mc:Choice xmlns:p14="http://schemas.microsoft.com/office/powerpoint/2010/main" Requires="p14">
+      <p:transition spd="slow" p14:dur="1500">
+        <p:split orient="vert"/>
+      </p:transition>
+    </mc:Choice>
+    <mc:Fallback>
+      <p:transition spd="slow">
+        <p:split orient="vert"/>
+      </p:transition>
+    </mc:Fallback>
+  </mc:AlternateContent>
 </p:sldLayout>
 </file>
 
@@ -1844,9 +1899,18 @@
   <p:clrMapOvr>
     <a:masterClrMapping/>
   </p:clrMapOvr>
-  <p:transition spd="slow">
-    <p:wipe/>
-  </p:transition>
+  <mc:AlternateContent xmlns:mc="http://schemas.openxmlformats.org/markup-compatibility/2006">
+    <mc:Choice xmlns:p14="http://schemas.microsoft.com/office/powerpoint/2010/main" Requires="p14">
+      <p:transition spd="slow" p14:dur="1500">
+        <p:split orient="vert"/>
+      </p:transition>
+    </mc:Choice>
+    <mc:Fallback>
+      <p:transition spd="slow">
+        <p:split orient="vert"/>
+      </p:transition>
+    </mc:Fallback>
+  </mc:AlternateContent>
 </p:sldLayout>
 </file>
 
@@ -1961,9 +2025,18 @@
   <p:clrMapOvr>
     <a:masterClrMapping/>
   </p:clrMapOvr>
-  <p:transition spd="slow">
-    <p:wipe/>
-  </p:transition>
+  <mc:AlternateContent xmlns:mc="http://schemas.openxmlformats.org/markup-compatibility/2006">
+    <mc:Choice xmlns:p14="http://schemas.microsoft.com/office/powerpoint/2010/main" Requires="p14">
+      <p:transition spd="slow" p14:dur="1500">
+        <p:split orient="vert"/>
+      </p:transition>
+    </mc:Choice>
+    <mc:Fallback>
+      <p:transition spd="slow">
+        <p:split orient="vert"/>
+      </p:transition>
+    </mc:Fallback>
+  </mc:AlternateContent>
 </p:sldLayout>
 </file>
 
@@ -2056,9 +2129,18 @@
   <p:clrMapOvr>
     <a:masterClrMapping/>
   </p:clrMapOvr>
-  <p:transition spd="slow">
-    <p:wipe/>
-  </p:transition>
+  <mc:AlternateContent xmlns:mc="http://schemas.openxmlformats.org/markup-compatibility/2006">
+    <mc:Choice xmlns:p14="http://schemas.microsoft.com/office/powerpoint/2010/main" Requires="p14">
+      <p:transition spd="slow" p14:dur="1500">
+        <p:split orient="vert"/>
+      </p:transition>
+    </mc:Choice>
+    <mc:Fallback>
+      <p:transition spd="slow">
+        <p:split orient="vert"/>
+      </p:transition>
+    </mc:Fallback>
+  </mc:AlternateContent>
 </p:sldLayout>
 </file>
 
@@ -2331,9 +2413,18 @@
   <p:clrMapOvr>
     <a:masterClrMapping/>
   </p:clrMapOvr>
-  <p:transition spd="slow">
-    <p:wipe/>
-  </p:transition>
+  <mc:AlternateContent xmlns:mc="http://schemas.openxmlformats.org/markup-compatibility/2006">
+    <mc:Choice xmlns:p14="http://schemas.microsoft.com/office/powerpoint/2010/main" Requires="p14">
+      <p:transition spd="slow" p14:dur="1500">
+        <p:split orient="vert"/>
+      </p:transition>
+    </mc:Choice>
+    <mc:Fallback>
+      <p:transition spd="slow">
+        <p:split orient="vert"/>
+      </p:transition>
+    </mc:Fallback>
+  </mc:AlternateContent>
 </p:sldLayout>
 </file>
 
@@ -2583,9 +2674,18 @@
   <p:clrMapOvr>
     <a:masterClrMapping/>
   </p:clrMapOvr>
-  <p:transition spd="slow">
-    <p:wipe/>
-  </p:transition>
+  <mc:AlternateContent xmlns:mc="http://schemas.openxmlformats.org/markup-compatibility/2006">
+    <mc:Choice xmlns:p14="http://schemas.microsoft.com/office/powerpoint/2010/main" Requires="p14">
+      <p:transition spd="slow" p14:dur="1500">
+        <p:split orient="vert"/>
+      </p:transition>
+    </mc:Choice>
+    <mc:Fallback>
+      <p:transition spd="slow">
+        <p:split orient="vert"/>
+      </p:transition>
+    </mc:Fallback>
+  </mc:AlternateContent>
 </p:sldLayout>
 </file>
 
@@ -2841,9 +2941,18 @@
     <p:sldLayoutId id="2147483658" r:id="rId10"/>
     <p:sldLayoutId id="2147483659" r:id="rId11"/>
   </p:sldLayoutIdLst>
-  <p:transition spd="slow">
-    <p:wipe/>
-  </p:transition>
+  <mc:AlternateContent xmlns:mc="http://schemas.openxmlformats.org/markup-compatibility/2006">
+    <mc:Choice xmlns:p14="http://schemas.microsoft.com/office/powerpoint/2010/main" Requires="p14">
+      <p:transition spd="slow" p14:dur="1500">
+        <p:split orient="vert"/>
+      </p:transition>
+    </mc:Choice>
+    <mc:Fallback>
+      <p:transition spd="slow">
+        <p:split orient="vert"/>
+      </p:transition>
+    </mc:Fallback>
+  </mc:AlternateContent>
   <p:txStyles>
     <p:titleStyle>
       <a:lvl1pPr algn="ctr" defTabSz="914400" rtl="0" eaLnBrk="1" latinLnBrk="0" hangingPunct="1">
@@ -3357,14 +3466,61 @@
           </a:p>
         </p:txBody>
       </p:sp>
+      <p:cxnSp>
+        <p:nvCxnSpPr>
+          <p:cNvPr id="6" name="Conector reto 5">
+            <a:extLst>
+              <a:ext uri="{FF2B5EF4-FFF2-40B4-BE49-F238E27FC236}">
+                <a16:creationId xmlns:a16="http://schemas.microsoft.com/office/drawing/2014/main" id="{5F6D72C8-9671-7101-10C9-7D00DAF7FECB}"/>
+              </a:ext>
+            </a:extLst>
+          </p:cNvPr>
+          <p:cNvCxnSpPr>
+            <a:cxnSpLocks/>
+          </p:cNvCxnSpPr>
+          <p:nvPr/>
+        </p:nvCxnSpPr>
+        <p:spPr>
+          <a:xfrm>
+            <a:off x="838200" y="2133600"/>
+            <a:ext cx="5576967" cy="0"/>
+          </a:xfrm>
+          <a:prstGeom prst="line">
+            <a:avLst/>
+          </a:prstGeom>
+        </p:spPr>
+        <p:style>
+          <a:lnRef idx="2">
+            <a:schemeClr val="accent2"/>
+          </a:lnRef>
+          <a:fillRef idx="0">
+            <a:schemeClr val="accent2"/>
+          </a:fillRef>
+          <a:effectRef idx="1">
+            <a:schemeClr val="accent2"/>
+          </a:effectRef>
+          <a:fontRef idx="minor">
+            <a:schemeClr val="tx1"/>
+          </a:fontRef>
+        </p:style>
+      </p:cxnSp>
     </p:spTree>
   </p:cSld>
   <p:clrMapOvr>
     <a:masterClrMapping/>
   </p:clrMapOvr>
-  <p:transition spd="slow">
-    <p:wipe/>
-  </p:transition>
+  <mc:AlternateContent xmlns:mc="http://schemas.openxmlformats.org/markup-compatibility/2006">
+    <mc:Choice xmlns:p14="http://schemas.microsoft.com/office/powerpoint/2010/main" Requires="p14">
+      <p:transition spd="slow" p14:dur="1500">
+        <p:split orient="vert"/>
+      </p:transition>
+    </mc:Choice>
+    <mc:Fallback>
+      <p:transition spd="slow">
+        <p:split orient="vert"/>
+      </p:transition>
+    </mc:Fallback>
+  </mc:AlternateContent>
 </p:sld>
 </file>
 
@@ -3468,56 +3624,56 @@
               </a:lnSpc>
             </a:pPr>
             <a:r>
-              <a:rPr lang="en-US" sz="5799" dirty="0" err="1">
-                <a:solidFill>
-                  <a:srgbClr val="FFFFFF"/>
-                </a:solidFill>
-                <a:latin typeface="Montserrat"/>
+              <a:rPr lang="en-US" sz="5799" i="1" dirty="0" err="1">
+                <a:solidFill>
+                  <a:srgbClr val="FFFF00"/>
+                </a:solidFill>
+                <a:latin typeface="Montserrat" panose="00000500000000000000" pitchFamily="2" charset="0"/>
               </a:rPr>
               <a:t>Não</a:t>
             </a:r>
             <a:r>
-              <a:rPr lang="en-US" sz="5799" dirty="0">
-                <a:solidFill>
-                  <a:srgbClr val="FFFFFF"/>
-                </a:solidFill>
-                <a:latin typeface="Montserrat"/>
+              <a:rPr lang="en-US" sz="5799" i="1" dirty="0">
+                <a:solidFill>
+                  <a:srgbClr val="FFFF00"/>
+                </a:solidFill>
+                <a:latin typeface="Montserrat" panose="00000500000000000000" pitchFamily="2" charset="0"/>
               </a:rPr>
               <a:t> </a:t>
             </a:r>
             <a:r>
-              <a:rPr lang="en-US" sz="5799" dirty="0" err="1">
-                <a:solidFill>
-                  <a:srgbClr val="FFFFFF"/>
-                </a:solidFill>
-                <a:latin typeface="Montserrat"/>
+              <a:rPr lang="en-US" sz="5799" i="1" dirty="0" err="1">
+                <a:solidFill>
+                  <a:srgbClr val="FFFF00"/>
+                </a:solidFill>
+                <a:latin typeface="Montserrat" panose="00000500000000000000" pitchFamily="2" charset="0"/>
               </a:rPr>
               <a:t>vendemos</a:t>
             </a:r>
             <a:r>
-              <a:rPr lang="en-US" sz="5799" dirty="0">
-                <a:solidFill>
-                  <a:srgbClr val="FFFFFF"/>
-                </a:solidFill>
-                <a:latin typeface="Montserrat"/>
+              <a:rPr lang="en-US" sz="5799" i="1" dirty="0">
+                <a:solidFill>
+                  <a:srgbClr val="FFFF00"/>
+                </a:solidFill>
+                <a:latin typeface="Montserrat" panose="00000500000000000000" pitchFamily="2" charset="0"/>
               </a:rPr>
               <a:t> </a:t>
             </a:r>
             <a:r>
-              <a:rPr lang="en-US" sz="5799" dirty="0" err="1">
-                <a:solidFill>
-                  <a:srgbClr val="FFFFFF"/>
-                </a:solidFill>
-                <a:latin typeface="Montserrat"/>
+              <a:rPr lang="en-US" sz="5799" i="1" dirty="0" err="1">
+                <a:solidFill>
+                  <a:srgbClr val="FFFF00"/>
+                </a:solidFill>
+                <a:latin typeface="Montserrat" panose="00000500000000000000" pitchFamily="2" charset="0"/>
               </a:rPr>
               <a:t>carros</a:t>
             </a:r>
             <a:r>
-              <a:rPr lang="en-US" sz="5799" dirty="0">
-                <a:solidFill>
-                  <a:srgbClr val="FFFFFF"/>
-                </a:solidFill>
-                <a:latin typeface="Montserrat"/>
+              <a:rPr lang="en-US" sz="5799" i="1" dirty="0">
+                <a:solidFill>
+                  <a:srgbClr val="FFFF00"/>
+                </a:solidFill>
+                <a:latin typeface="Montserrat" panose="00000500000000000000" pitchFamily="2" charset="0"/>
               </a:rPr>
               <a:t>,</a:t>
             </a:r>
@@ -3529,43 +3685,90 @@
               </a:lnSpc>
             </a:pPr>
             <a:r>
-              <a:rPr lang="en-US" sz="5799" dirty="0">
-                <a:solidFill>
-                  <a:srgbClr val="FFFFFF"/>
-                </a:solidFill>
-                <a:latin typeface="Montserrat"/>
+              <a:rPr lang="en-US" sz="5799" i="1" dirty="0">
+                <a:solidFill>
+                  <a:srgbClr val="FFFF00"/>
+                </a:solidFill>
+                <a:latin typeface="Montserrat" panose="00000500000000000000" pitchFamily="2" charset="0"/>
               </a:rPr>
               <a:t>e sim </a:t>
             </a:r>
             <a:r>
-              <a:rPr lang="en-US" sz="5799" dirty="0" err="1">
-                <a:solidFill>
-                  <a:srgbClr val="FFFFFF"/>
-                </a:solidFill>
-                <a:latin typeface="Montserrat"/>
+              <a:rPr lang="en-US" sz="5799" i="1" dirty="0" err="1">
+                <a:solidFill>
+                  <a:srgbClr val="FFFF00"/>
+                </a:solidFill>
+                <a:latin typeface="Montserrat" panose="00000500000000000000" pitchFamily="2" charset="0"/>
               </a:rPr>
               <a:t>experiências</a:t>
             </a:r>
             <a:r>
-              <a:rPr lang="en-US" sz="5799" dirty="0">
-                <a:solidFill>
-                  <a:srgbClr val="FFFFFF"/>
-                </a:solidFill>
-                <a:latin typeface="Montserrat"/>
+              <a:rPr lang="en-US" sz="5799" i="1" dirty="0">
+                <a:solidFill>
+                  <a:srgbClr val="FFFF00"/>
+                </a:solidFill>
+                <a:latin typeface="Montserrat" panose="00000500000000000000" pitchFamily="2" charset="0"/>
               </a:rPr>
               <a:t>.</a:t>
             </a:r>
           </a:p>
         </p:txBody>
       </p:sp>
+      <p:cxnSp>
+        <p:nvCxnSpPr>
+          <p:cNvPr id="4" name="Conector reto 3">
+            <a:extLst>
+              <a:ext uri="{FF2B5EF4-FFF2-40B4-BE49-F238E27FC236}">
+                <a16:creationId xmlns:a16="http://schemas.microsoft.com/office/drawing/2014/main" id="{A77249EF-DCCF-4D87-1CEC-D7B9F1C5DDF9}"/>
+              </a:ext>
+            </a:extLst>
+          </p:cNvPr>
+          <p:cNvCxnSpPr>
+            <a:cxnSpLocks/>
+          </p:cNvCxnSpPr>
+          <p:nvPr/>
+        </p:nvCxnSpPr>
+        <p:spPr>
+          <a:xfrm>
+            <a:off x="731520" y="2057400"/>
+            <a:ext cx="5576967" cy="0"/>
+          </a:xfrm>
+          <a:prstGeom prst="line">
+            <a:avLst/>
+          </a:prstGeom>
+        </p:spPr>
+        <p:style>
+          <a:lnRef idx="2">
+            <a:schemeClr val="accent2"/>
+          </a:lnRef>
+          <a:fillRef idx="0">
+            <a:schemeClr val="accent2"/>
+          </a:fillRef>
+          <a:effectRef idx="1">
+            <a:schemeClr val="accent2"/>
+          </a:effectRef>
+          <a:fontRef idx="minor">
+            <a:schemeClr val="tx1"/>
+          </a:fontRef>
+        </p:style>
+      </p:cxnSp>
     </p:spTree>
   </p:cSld>
   <p:clrMapOvr>
     <a:masterClrMapping/>
   </p:clrMapOvr>
-  <p:transition spd="slow">
-    <p:wipe/>
-  </p:transition>
+  <mc:AlternateContent xmlns:mc="http://schemas.openxmlformats.org/markup-compatibility/2006">
+    <mc:Choice xmlns:p14="http://schemas.microsoft.com/office/powerpoint/2010/main" Requires="p14">
+      <p:transition spd="slow" p14:dur="1500">
+        <p:split orient="vert"/>
+      </p:transition>
+    </mc:Choice>
+    <mc:Fallback>
+      <p:transition spd="slow">
+        <p:split orient="vert"/>
+      </p:transition>
+    </mc:Fallback>
+  </mc:AlternateContent>
 </p:sld>
 </file>
 
@@ -4230,13 +4433,481 @@
   <p:clrMapOvr>
     <a:masterClrMapping/>
   </p:clrMapOvr>
-  <p:transition spd="slow">
-    <p:wipe/>
-  </p:transition>
+  <mc:AlternateContent xmlns:mc="http://schemas.openxmlformats.org/markup-compatibility/2006">
+    <mc:Choice xmlns:p14="http://schemas.microsoft.com/office/powerpoint/2010/main" Requires="p14">
+      <p:transition spd="slow" p14:dur="1500">
+        <p:split orient="vert"/>
+      </p:transition>
+    </mc:Choice>
+    <mc:Fallback>
+      <p:transition spd="slow">
+        <p:split orient="vert"/>
+      </p:transition>
+    </mc:Fallback>
+  </mc:AlternateContent>
 </p:sld>
 </file>
 
 <file path=ppt/slides/slide4.xml><?xml version="1.0" encoding="utf-8"?>
+<p:sld xmlns:a="http://schemas.openxmlformats.org/drawingml/2006/main" xmlns:r="http://schemas.openxmlformats.org/officeDocument/2006/relationships" xmlns:p="http://schemas.openxmlformats.org/presentationml/2006/main">
+  <p:cSld>
+    <p:bg>
+      <p:bgPr>
+        <a:solidFill>
+          <a:srgbClr val="A9A9A9"/>
+        </a:solidFill>
+        <a:effectLst/>
+      </p:bgPr>
+    </p:bg>
+    <p:spTree>
+      <p:nvGrpSpPr>
+        <p:cNvPr id="1" name=""/>
+        <p:cNvGrpSpPr/>
+        <p:nvPr/>
+      </p:nvGrpSpPr>
+      <p:grpSpPr>
+        <a:xfrm>
+          <a:off x="0" y="0"/>
+          <a:ext cx="0" cy="0"/>
+          <a:chOff x="0" y="0"/>
+          <a:chExt cx="0" cy="0"/>
+        </a:xfrm>
+      </p:grpSpPr>
+      <p:sp>
+        <p:nvSpPr>
+          <p:cNvPr id="2" name="TextBox 2"/>
+          <p:cNvSpPr txBox="1"/>
+          <p:nvPr/>
+        </p:nvSpPr>
+        <p:spPr>
+          <a:xfrm>
+            <a:off x="992118" y="636270"/>
+            <a:ext cx="5027682" cy="831703"/>
+          </a:xfrm>
+          <a:prstGeom prst="rect">
+            <a:avLst/>
+          </a:prstGeom>
+        </p:spPr>
+        <p:txBody>
+          <a:bodyPr wrap="square" lIns="0" tIns="0" rIns="0" bIns="0" rtlCol="0" anchor="t">
+            <a:spAutoFit/>
+          </a:bodyPr>
+          <a:lstStyle/>
+          <a:p>
+            <a:pPr marL="0" marR="0" lvl="0" indent="0" defTabSz="914400" rtl="0" eaLnBrk="1" fontAlgn="auto" latinLnBrk="0" hangingPunct="1">
+              <a:lnSpc>
+                <a:spcPts val="7000"/>
+              </a:lnSpc>
+              <a:spcBef>
+                <a:spcPts val="0"/>
+              </a:spcBef>
+              <a:spcAft>
+                <a:spcPts val="0"/>
+              </a:spcAft>
+              <a:buClrTx/>
+              <a:buSzTx/>
+              <a:buFontTx/>
+              <a:buNone/>
+              <a:tabLst/>
+              <a:defRPr/>
+            </a:pPr>
+            <a:r>
+              <a:rPr kumimoji="0" lang="en-US" sz="5000" b="0" i="0" u="none" strike="noStrike" kern="1200" cap="none" spc="0" normalizeH="0" baseline="0" noProof="0" dirty="0" err="1">
+                <a:ln>
+                  <a:noFill/>
+                </a:ln>
+                <a:solidFill>
+                  <a:srgbClr val="000000"/>
+                </a:solidFill>
+                <a:effectLst/>
+                <a:uLnTx/>
+                <a:uFillTx/>
+                <a:latin typeface="Montserrat Semi-Bold"/>
+                <a:ea typeface="+mn-ea"/>
+                <a:cs typeface="+mn-cs"/>
+              </a:rPr>
+              <a:t>Integrantes</a:t>
+            </a:r>
+            <a:r>
+              <a:rPr kumimoji="0" lang="en-US" sz="5000" b="0" i="0" u="none" strike="noStrike" kern="1200" cap="none" spc="0" normalizeH="0" baseline="0" noProof="0" dirty="0">
+                <a:ln>
+                  <a:noFill/>
+                </a:ln>
+                <a:solidFill>
+                  <a:srgbClr val="000000"/>
+                </a:solidFill>
+                <a:effectLst/>
+                <a:uLnTx/>
+                <a:uFillTx/>
+                <a:latin typeface="Montserrat Semi-Bold"/>
+                <a:ea typeface="+mn-ea"/>
+                <a:cs typeface="+mn-cs"/>
+              </a:rPr>
+              <a:t>:</a:t>
+            </a:r>
+          </a:p>
+        </p:txBody>
+      </p:sp>
+      <p:sp>
+        <p:nvSpPr>
+          <p:cNvPr id="5" name="TextBox 3">
+            <a:extLst>
+              <a:ext uri="{FF2B5EF4-FFF2-40B4-BE49-F238E27FC236}">
+                <a16:creationId xmlns:a16="http://schemas.microsoft.com/office/drawing/2014/main" id="{D9AF2D04-8111-161E-8AB9-E2F5B3C4875D}"/>
+              </a:ext>
+            </a:extLst>
+          </p:cNvPr>
+          <p:cNvSpPr txBox="1"/>
+          <p:nvPr/>
+        </p:nvSpPr>
+        <p:spPr>
+          <a:xfrm rot="16200000">
+            <a:off x="6155270" y="3293530"/>
+            <a:ext cx="6305502" cy="1090042"/>
+          </a:xfrm>
+          <a:prstGeom prst="rect">
+            <a:avLst/>
+          </a:prstGeom>
+        </p:spPr>
+        <p:txBody>
+          <a:bodyPr wrap="square" lIns="0" tIns="0" rIns="0" bIns="0" rtlCol="0" anchor="t">
+            <a:spAutoFit/>
+          </a:bodyPr>
+          <a:lstStyle/>
+          <a:p>
+            <a:pPr marL="0" marR="0" lvl="0" indent="0" algn="l" defTabSz="914400" rtl="0" eaLnBrk="1" fontAlgn="auto" latinLnBrk="0" hangingPunct="1">
+              <a:lnSpc>
+                <a:spcPts val="8499"/>
+              </a:lnSpc>
+              <a:spcBef>
+                <a:spcPts val="0"/>
+              </a:spcBef>
+              <a:spcAft>
+                <a:spcPts val="0"/>
+              </a:spcAft>
+              <a:buClrTx/>
+              <a:buSzTx/>
+              <a:buFontTx/>
+              <a:buNone/>
+              <a:tabLst/>
+              <a:defRPr/>
+            </a:pPr>
+            <a:r>
+              <a:rPr kumimoji="0" lang="en-US" sz="8499" b="0" i="0" u="none" strike="noStrike" kern="1200" cap="none" spc="0" normalizeH="0" baseline="0" noProof="0" dirty="0">
+                <a:ln>
+                  <a:noFill/>
+                </a:ln>
+                <a:solidFill>
+                  <a:srgbClr val="201F1F">
+                    <a:alpha val="28627"/>
+                  </a:srgbClr>
+                </a:solidFill>
+                <a:effectLst/>
+                <a:uLnTx/>
+                <a:uFillTx/>
+                <a:latin typeface="Montserrat Semi-Bold"/>
+                <a:ea typeface="+mn-ea"/>
+                <a:cs typeface="+mn-cs"/>
+              </a:rPr>
+              <a:t>R a b e l </a:t>
+            </a:r>
+            <a:r>
+              <a:rPr kumimoji="0" lang="en-US" sz="8499" b="0" i="0" u="none" strike="noStrike" kern="1200" cap="none" spc="0" normalizeH="0" baseline="0" noProof="0" dirty="0" err="1">
+                <a:ln>
+                  <a:noFill/>
+                </a:ln>
+                <a:solidFill>
+                  <a:srgbClr val="201F1F">
+                    <a:alpha val="28627"/>
+                  </a:srgbClr>
+                </a:solidFill>
+                <a:effectLst/>
+                <a:uLnTx/>
+                <a:uFillTx/>
+                <a:latin typeface="Montserrat Semi-Bold"/>
+                <a:ea typeface="+mn-ea"/>
+                <a:cs typeface="+mn-cs"/>
+              </a:rPr>
+              <a:t>l</a:t>
+            </a:r>
+            <a:r>
+              <a:rPr kumimoji="0" lang="en-US" sz="8499" b="0" i="0" u="none" strike="noStrike" kern="1200" cap="none" spc="0" normalizeH="0" baseline="0" noProof="0" dirty="0">
+                <a:ln>
+                  <a:noFill/>
+                </a:ln>
+                <a:solidFill>
+                  <a:srgbClr val="201F1F">
+                    <a:alpha val="28627"/>
+                  </a:srgbClr>
+                </a:solidFill>
+                <a:effectLst/>
+                <a:uLnTx/>
+                <a:uFillTx/>
+                <a:latin typeface="Montserrat Semi-Bold"/>
+                <a:ea typeface="+mn-ea"/>
+                <a:cs typeface="+mn-cs"/>
+              </a:rPr>
+              <a:t> o</a:t>
+            </a:r>
+          </a:p>
+        </p:txBody>
+      </p:sp>
+      <p:sp>
+        <p:nvSpPr>
+          <p:cNvPr id="4" name="CaixaDeTexto 3">
+            <a:extLst>
+              <a:ext uri="{FF2B5EF4-FFF2-40B4-BE49-F238E27FC236}">
+                <a16:creationId xmlns:a16="http://schemas.microsoft.com/office/drawing/2014/main" id="{B0B17887-7029-85F0-B01F-F5A2FB6363F5}"/>
+              </a:ext>
+            </a:extLst>
+          </p:cNvPr>
+          <p:cNvSpPr txBox="1"/>
+          <p:nvPr/>
+        </p:nvSpPr>
+        <p:spPr>
+          <a:xfrm>
+            <a:off x="3124200" y="2438400"/>
+            <a:ext cx="3733800" cy="369332"/>
+          </a:xfrm>
+          <a:prstGeom prst="rect">
+            <a:avLst/>
+          </a:prstGeom>
+          <a:noFill/>
+        </p:spPr>
+        <p:txBody>
+          <a:bodyPr wrap="square" rtlCol="0">
+            <a:spAutoFit/>
+          </a:bodyPr>
+          <a:lstStyle/>
+          <a:p>
+            <a:r>
+              <a:rPr lang="pt-BR" dirty="0">
+                <a:latin typeface="Montserrat" panose="00000500000000000000" pitchFamily="2" charset="0"/>
+              </a:rPr>
+              <a:t>Presidente: Ismael do S. Moura</a:t>
+            </a:r>
+          </a:p>
+        </p:txBody>
+      </p:sp>
+      <p:sp>
+        <p:nvSpPr>
+          <p:cNvPr id="6" name="CaixaDeTexto 5">
+            <a:extLst>
+              <a:ext uri="{FF2B5EF4-FFF2-40B4-BE49-F238E27FC236}">
+                <a16:creationId xmlns:a16="http://schemas.microsoft.com/office/drawing/2014/main" id="{DC9317AE-7EF4-F050-7FB6-261F6B84855D}"/>
+              </a:ext>
+            </a:extLst>
+          </p:cNvPr>
+          <p:cNvSpPr txBox="1"/>
+          <p:nvPr/>
+        </p:nvSpPr>
+        <p:spPr>
+          <a:xfrm>
+            <a:off x="3124200" y="3146029"/>
+            <a:ext cx="3733800" cy="369332"/>
+          </a:xfrm>
+          <a:prstGeom prst="rect">
+            <a:avLst/>
+          </a:prstGeom>
+          <a:noFill/>
+        </p:spPr>
+        <p:txBody>
+          <a:bodyPr wrap="square" rtlCol="0">
+            <a:spAutoFit/>
+          </a:bodyPr>
+          <a:lstStyle/>
+          <a:p>
+            <a:r>
+              <a:rPr lang="pt-BR" dirty="0">
+                <a:latin typeface="Montserrat" panose="00000500000000000000" pitchFamily="2" charset="0"/>
+              </a:rPr>
+              <a:t>*******: </a:t>
+            </a:r>
+            <a:r>
+              <a:rPr lang="pt-BR" dirty="0" err="1">
+                <a:latin typeface="Montserrat" panose="00000500000000000000" pitchFamily="2" charset="0"/>
+              </a:rPr>
+              <a:t>Aryon</a:t>
+            </a:r>
+            <a:r>
+              <a:rPr lang="pt-BR" dirty="0">
+                <a:latin typeface="Montserrat" panose="00000500000000000000" pitchFamily="2" charset="0"/>
+              </a:rPr>
+              <a:t> R </a:t>
+            </a:r>
+            <a:r>
+              <a:rPr lang="pt-BR" dirty="0" err="1">
+                <a:latin typeface="Montserrat" panose="00000500000000000000" pitchFamily="2" charset="0"/>
+              </a:rPr>
+              <a:t>Jeronymo</a:t>
+            </a:r>
+            <a:endParaRPr lang="pt-BR" dirty="0">
+              <a:latin typeface="Montserrat" panose="00000500000000000000" pitchFamily="2" charset="0"/>
+            </a:endParaRPr>
+          </a:p>
+        </p:txBody>
+      </p:sp>
+      <p:sp>
+        <p:nvSpPr>
+          <p:cNvPr id="7" name="CaixaDeTexto 6">
+            <a:extLst>
+              <a:ext uri="{FF2B5EF4-FFF2-40B4-BE49-F238E27FC236}">
+                <a16:creationId xmlns:a16="http://schemas.microsoft.com/office/drawing/2014/main" id="{FF8C5049-C034-7958-BE0D-DDB740822CC8}"/>
+              </a:ext>
+            </a:extLst>
+          </p:cNvPr>
+          <p:cNvSpPr txBox="1"/>
+          <p:nvPr/>
+        </p:nvSpPr>
+        <p:spPr>
+          <a:xfrm>
+            <a:off x="3124200" y="3853658"/>
+            <a:ext cx="3733800" cy="369332"/>
+          </a:xfrm>
+          <a:prstGeom prst="rect">
+            <a:avLst/>
+          </a:prstGeom>
+          <a:noFill/>
+        </p:spPr>
+        <p:txBody>
+          <a:bodyPr wrap="square" rtlCol="0">
+            <a:spAutoFit/>
+          </a:bodyPr>
+          <a:lstStyle/>
+          <a:p>
+            <a:r>
+              <a:rPr lang="pt-BR" dirty="0">
+                <a:latin typeface="Montserrat" panose="00000500000000000000" pitchFamily="2" charset="0"/>
+              </a:rPr>
+              <a:t>********: Cássio R Braga</a:t>
+            </a:r>
+          </a:p>
+        </p:txBody>
+      </p:sp>
+      <p:sp>
+        <p:nvSpPr>
+          <p:cNvPr id="8" name="CaixaDeTexto 7">
+            <a:extLst>
+              <a:ext uri="{FF2B5EF4-FFF2-40B4-BE49-F238E27FC236}">
+                <a16:creationId xmlns:a16="http://schemas.microsoft.com/office/drawing/2014/main" id="{55DEE170-9C33-0A96-48A5-BCC00F56EC94}"/>
+              </a:ext>
+            </a:extLst>
+          </p:cNvPr>
+          <p:cNvSpPr txBox="1"/>
+          <p:nvPr/>
+        </p:nvSpPr>
+        <p:spPr>
+          <a:xfrm>
+            <a:off x="3095625" y="4565317"/>
+            <a:ext cx="3733800" cy="369332"/>
+          </a:xfrm>
+          <a:prstGeom prst="rect">
+            <a:avLst/>
+          </a:prstGeom>
+          <a:noFill/>
+        </p:spPr>
+        <p:txBody>
+          <a:bodyPr wrap="square" rtlCol="0">
+            <a:spAutoFit/>
+          </a:bodyPr>
+          <a:lstStyle/>
+          <a:p>
+            <a:r>
+              <a:rPr lang="pt-BR" dirty="0">
+                <a:latin typeface="Montserrat" panose="00000500000000000000" pitchFamily="2" charset="0"/>
+              </a:rPr>
+              <a:t>********: </a:t>
+            </a:r>
+            <a:r>
+              <a:rPr lang="pt-BR" dirty="0" err="1">
+                <a:latin typeface="Montserrat" panose="00000500000000000000" pitchFamily="2" charset="0"/>
+              </a:rPr>
+              <a:t>Djeniffer</a:t>
+            </a:r>
+            <a:r>
+              <a:rPr lang="pt-BR" dirty="0">
+                <a:latin typeface="Montserrat" panose="00000500000000000000" pitchFamily="2" charset="0"/>
+              </a:rPr>
+              <a:t> A. Vidal</a:t>
+            </a:r>
+          </a:p>
+        </p:txBody>
+      </p:sp>
+      <p:sp>
+        <p:nvSpPr>
+          <p:cNvPr id="9" name="CaixaDeTexto 8">
+            <a:extLst>
+              <a:ext uri="{FF2B5EF4-FFF2-40B4-BE49-F238E27FC236}">
+                <a16:creationId xmlns:a16="http://schemas.microsoft.com/office/drawing/2014/main" id="{321384FE-AB99-B789-9458-E7F38A8C1822}"/>
+              </a:ext>
+            </a:extLst>
+          </p:cNvPr>
+          <p:cNvSpPr txBox="1"/>
+          <p:nvPr/>
+        </p:nvSpPr>
+        <p:spPr>
+          <a:xfrm>
+            <a:off x="3124200" y="5209961"/>
+            <a:ext cx="3733800" cy="369332"/>
+          </a:xfrm>
+          <a:prstGeom prst="rect">
+            <a:avLst/>
+          </a:prstGeom>
+          <a:noFill/>
+        </p:spPr>
+        <p:txBody>
+          <a:bodyPr wrap="square" rtlCol="0">
+            <a:spAutoFit/>
+          </a:bodyPr>
+          <a:lstStyle/>
+          <a:p>
+            <a:r>
+              <a:rPr lang="pt-BR" dirty="0">
+                <a:latin typeface="Montserrat" panose="00000500000000000000" pitchFamily="2" charset="0"/>
+              </a:rPr>
+              <a:t>********: </a:t>
+            </a:r>
+            <a:r>
+              <a:rPr lang="pt-BR" dirty="0" err="1">
+                <a:latin typeface="Montserrat" panose="00000500000000000000" pitchFamily="2" charset="0"/>
+              </a:rPr>
+              <a:t>Heder</a:t>
+            </a:r>
+            <a:r>
+              <a:rPr lang="pt-BR" dirty="0">
+                <a:latin typeface="Montserrat" panose="00000500000000000000" pitchFamily="2" charset="0"/>
+              </a:rPr>
+              <a:t> L. Santos</a:t>
+            </a:r>
+          </a:p>
+        </p:txBody>
+      </p:sp>
+    </p:spTree>
+    <p:extLst>
+      <p:ext uri="{BB962C8B-B14F-4D97-AF65-F5344CB8AC3E}">
+        <p14:creationId xmlns:p14="http://schemas.microsoft.com/office/powerpoint/2010/main" val="2005441631"/>
+      </p:ext>
+    </p:extLst>
+  </p:cSld>
+  <p:clrMapOvr>
+    <a:masterClrMapping/>
+  </p:clrMapOvr>
+  <mc:AlternateContent xmlns:mc="http://schemas.openxmlformats.org/markup-compatibility/2006">
+    <mc:Choice xmlns:p14="http://schemas.microsoft.com/office/powerpoint/2010/main" Requires="p14">
+      <p:transition spd="slow" p14:dur="1500">
+        <p:split orient="vert"/>
+      </p:transition>
+    </mc:Choice>
+    <mc:Fallback>
+      <p:transition spd="slow">
+        <p:split orient="vert"/>
+      </p:transition>
+    </mc:Fallback>
+  </mc:AlternateContent>
+</p:sld>
+</file>
+
+<file path=ppt/slides/slide5.xml><?xml version="1.0" encoding="utf-8"?>
 <p:sld xmlns:a="http://schemas.openxmlformats.org/drawingml/2006/main" xmlns:r="http://schemas.openxmlformats.org/officeDocument/2006/relationships" xmlns:p="http://schemas.openxmlformats.org/presentationml/2006/main">
   <p:cSld>
     <p:bg>
@@ -4263,7 +4934,7 @@
       </p:grpSpPr>
       <p:pic>
         <p:nvPicPr>
-          <p:cNvPr id="2" name="Picture 2"/>
+          <p:cNvPr id="3" name="Picture 3"/>
           <p:cNvPicPr>
             <a:picLocks noChangeAspect="1"/>
           </p:cNvPicPr>
@@ -4271,15 +4942,178 @@
         </p:nvPicPr>
         <p:blipFill>
           <a:blip r:embed="rId2"/>
-          <a:srcRect t="20878" b="20878"/>
+          <a:srcRect/>
           <a:stretch>
             <a:fillRect/>
           </a:stretch>
         </p:blipFill>
         <p:spPr>
           <a:xfrm>
-            <a:off x="691485" y="5033869"/>
-            <a:ext cx="1995735" cy="1549811"/>
+            <a:off x="5341596" y="2069147"/>
+            <a:ext cx="3113728" cy="1588453"/>
+          </a:xfrm>
+          <a:prstGeom prst="rect">
+            <a:avLst/>
+          </a:prstGeom>
+        </p:spPr>
+      </p:pic>
+      <p:sp>
+        <p:nvSpPr>
+          <p:cNvPr id="6" name="TextBox 6"/>
+          <p:cNvSpPr txBox="1"/>
+          <p:nvPr/>
+        </p:nvSpPr>
+        <p:spPr>
+          <a:xfrm>
+            <a:off x="1143000" y="626745"/>
+            <a:ext cx="6166940" cy="854075"/>
+          </a:xfrm>
+          <a:prstGeom prst="rect">
+            <a:avLst/>
+          </a:prstGeom>
+        </p:spPr>
+        <p:txBody>
+          <a:bodyPr lIns="0" tIns="0" rIns="0" bIns="0" rtlCol="0" anchor="t">
+            <a:spAutoFit/>
+          </a:bodyPr>
+          <a:lstStyle/>
+          <a:p>
+            <a:pPr>
+              <a:lnSpc>
+                <a:spcPts val="7000"/>
+              </a:lnSpc>
+            </a:pPr>
+            <a:r>
+              <a:rPr lang="en-US" sz="5000" dirty="0" err="1">
+                <a:solidFill>
+                  <a:srgbClr val="FFFFFF"/>
+                </a:solidFill>
+                <a:latin typeface="Montserrat Semi-Bold"/>
+              </a:rPr>
+              <a:t>Nosso</a:t>
+            </a:r>
+            <a:r>
+              <a:rPr lang="en-US" sz="5000" dirty="0">
+                <a:solidFill>
+                  <a:srgbClr val="FFFFFF"/>
+                </a:solidFill>
+                <a:latin typeface="Montserrat Semi-Bold"/>
+              </a:rPr>
+              <a:t> </a:t>
+            </a:r>
+            <a:r>
+              <a:rPr lang="en-US" sz="5000" dirty="0" err="1">
+                <a:solidFill>
+                  <a:srgbClr val="FFFFFF"/>
+                </a:solidFill>
+                <a:latin typeface="Montserrat Semi-Bold"/>
+              </a:rPr>
+              <a:t>catálogo</a:t>
+            </a:r>
+            <a:r>
+              <a:rPr lang="en-US" sz="5000" dirty="0">
+                <a:solidFill>
+                  <a:srgbClr val="FFFFFF"/>
+                </a:solidFill>
+                <a:latin typeface="Montserrat Semi-Bold"/>
+              </a:rPr>
+              <a:t>:</a:t>
+            </a:r>
+          </a:p>
+        </p:txBody>
+      </p:sp>
+      <p:sp>
+        <p:nvSpPr>
+          <p:cNvPr id="11" name="TextBox 11"/>
+          <p:cNvSpPr txBox="1"/>
+          <p:nvPr/>
+        </p:nvSpPr>
+        <p:spPr>
+          <a:xfrm rot="16200000">
+            <a:off x="6248728" y="3374264"/>
+            <a:ext cx="6098178" cy="1090042"/>
+          </a:xfrm>
+          <a:prstGeom prst="rect">
+            <a:avLst/>
+          </a:prstGeom>
+        </p:spPr>
+        <p:txBody>
+          <a:bodyPr wrap="square" lIns="0" tIns="0" rIns="0" bIns="0" rtlCol="0" anchor="t">
+            <a:spAutoFit/>
+          </a:bodyPr>
+          <a:lstStyle/>
+          <a:p>
+            <a:pPr>
+              <a:lnSpc>
+                <a:spcPts val="8499"/>
+              </a:lnSpc>
+            </a:pPr>
+            <a:r>
+              <a:rPr lang="en-US" sz="8499" dirty="0">
+                <a:solidFill>
+                  <a:srgbClr val="FFFFFF">
+                    <a:alpha val="8627"/>
+                  </a:srgbClr>
+                </a:solidFill>
+                <a:latin typeface="Montserrat Semi-Bold"/>
+              </a:rPr>
+              <a:t>R a b e l </a:t>
+            </a:r>
+            <a:r>
+              <a:rPr lang="en-US" sz="8499" dirty="0" err="1">
+                <a:solidFill>
+                  <a:srgbClr val="FFFFFF">
+                    <a:alpha val="8627"/>
+                  </a:srgbClr>
+                </a:solidFill>
+                <a:latin typeface="Montserrat Semi-Bold"/>
+              </a:rPr>
+              <a:t>l</a:t>
+            </a:r>
+            <a:r>
+              <a:rPr lang="en-US" sz="8499" dirty="0">
+                <a:solidFill>
+                  <a:srgbClr val="FFFFFF">
+                    <a:alpha val="8627"/>
+                  </a:srgbClr>
+                </a:solidFill>
+                <a:latin typeface="Montserrat Semi-Bold"/>
+              </a:rPr>
+              <a:t> o</a:t>
+            </a:r>
+          </a:p>
+        </p:txBody>
+      </p:sp>
+      <p:pic>
+        <p:nvPicPr>
+          <p:cNvPr id="13" name="Imagem 12" descr="Logotipo&#10;&#10;Descrição gerada automaticamente">
+            <a:extLst>
+              <a:ext uri="{FF2B5EF4-FFF2-40B4-BE49-F238E27FC236}">
+                <a16:creationId xmlns:a16="http://schemas.microsoft.com/office/drawing/2014/main" id="{0570151F-3410-A809-C4E5-53203BAB7F83}"/>
+              </a:ext>
+            </a:extLst>
+          </p:cNvPr>
+          <p:cNvPicPr>
+            <a:picLocks noChangeAspect="1"/>
+          </p:cNvPicPr>
+          <p:nvPr/>
+        </p:nvPicPr>
+        <p:blipFill>
+          <a:blip r:embed="rId3">
+            <a:extLst>
+              <a:ext uri="{28A0092B-C50C-407E-A947-70E740481C1C}">
+                <a14:useLocalDpi xmlns:a14="http://schemas.microsoft.com/office/drawing/2010/main" val="0"/>
+              </a:ext>
+            </a:extLst>
+          </a:blip>
+          <a:stretch>
+            <a:fillRect/>
+          </a:stretch>
+        </p:blipFill>
+        <p:spPr>
+          <a:xfrm>
+            <a:off x="685800" y="1752600"/>
+            <a:ext cx="2436467" cy="2441013"/>
           </a:xfrm>
           <a:prstGeom prst="rect">
             <a:avLst/>
@@ -4288,23 +5122,34 @@
       </p:pic>
       <p:pic>
         <p:nvPicPr>
-          <p:cNvPr id="3" name="Picture 3"/>
+          <p:cNvPr id="17" name="Imagem 16" descr="Logotipo&#10;&#10;Descrição gerada automaticamente">
+            <a:extLst>
+              <a:ext uri="{FF2B5EF4-FFF2-40B4-BE49-F238E27FC236}">
+                <a16:creationId xmlns:a16="http://schemas.microsoft.com/office/drawing/2014/main" id="{C7F89AD0-6B42-B24B-8522-44F6B48D648E}"/>
+              </a:ext>
+            </a:extLst>
+          </p:cNvPr>
           <p:cNvPicPr>
             <a:picLocks noChangeAspect="1"/>
           </p:cNvPicPr>
           <p:nvPr/>
         </p:nvPicPr>
         <p:blipFill>
-          <a:blip r:embed="rId3"/>
-          <a:srcRect/>
+          <a:blip r:embed="rId4" cstate="print">
+            <a:extLst>
+              <a:ext uri="{28A0092B-C50C-407E-A947-70E740481C1C}">
+                <a14:useLocalDpi xmlns:a14="http://schemas.microsoft.com/office/drawing/2010/main" val="0"/>
+              </a:ext>
+            </a:extLst>
+          </a:blip>
           <a:stretch>
             <a:fillRect/>
           </a:stretch>
         </p:blipFill>
         <p:spPr>
           <a:xfrm>
-            <a:off x="6594055" y="5221902"/>
-            <a:ext cx="2397557" cy="1223102"/>
+            <a:off x="1025892" y="4381500"/>
+            <a:ext cx="1756282" cy="2362200"/>
           </a:xfrm>
           <a:prstGeom prst="rect">
             <a:avLst/>
@@ -4313,345 +5158,61 @@
       </p:pic>
       <p:pic>
         <p:nvPicPr>
-          <p:cNvPr id="4" name="Picture 4"/>
+          <p:cNvPr id="19" name="Imagem 18" descr="Logotipo&#10;&#10;Descrição gerada automaticamente">
+            <a:extLst>
+              <a:ext uri="{FF2B5EF4-FFF2-40B4-BE49-F238E27FC236}">
+                <a16:creationId xmlns:a16="http://schemas.microsoft.com/office/drawing/2014/main" id="{9AB437CF-4FE1-EA03-C239-6DAFF6BF1F1A}"/>
+              </a:ext>
+            </a:extLst>
+          </p:cNvPr>
           <p:cNvPicPr>
             <a:picLocks noChangeAspect="1"/>
           </p:cNvPicPr>
           <p:nvPr/>
         </p:nvPicPr>
         <p:blipFill>
-          <a:blip r:embed="rId4"/>
-          <a:srcRect/>
+          <a:blip r:embed="rId5" cstate="print">
+            <a:extLst>
+              <a:ext uri="{28A0092B-C50C-407E-A947-70E740481C1C}">
+                <a14:useLocalDpi xmlns:a14="http://schemas.microsoft.com/office/drawing/2010/main" val="0"/>
+              </a:ext>
+            </a:extLst>
+          </a:blip>
           <a:stretch>
             <a:fillRect/>
           </a:stretch>
         </p:blipFill>
         <p:spPr>
           <a:xfrm>
-            <a:off x="967308" y="2424024"/>
-            <a:ext cx="1742838" cy="1750618"/>
+            <a:off x="6172200" y="4414343"/>
+            <a:ext cx="1762877" cy="2274112"/>
           </a:xfrm>
           <a:prstGeom prst="rect">
             <a:avLst/>
           </a:prstGeom>
         </p:spPr>
       </p:pic>
-      <p:pic>
-        <p:nvPicPr>
-          <p:cNvPr id="5" name="Picture 5"/>
-          <p:cNvPicPr>
-            <a:picLocks noChangeAspect="1"/>
-          </p:cNvPicPr>
-          <p:nvPr/>
-        </p:nvPicPr>
-        <p:blipFill>
-          <a:blip r:embed="rId5"/>
-          <a:srcRect l="3076" t="2327" b="2327"/>
-          <a:stretch>
-            <a:fillRect/>
-          </a:stretch>
-        </p:blipFill>
-        <p:spPr>
-          <a:xfrm>
-            <a:off x="7036957" y="2477545"/>
-            <a:ext cx="1406479" cy="1697097"/>
-          </a:xfrm>
-          <a:prstGeom prst="rect">
-            <a:avLst/>
-          </a:prstGeom>
-        </p:spPr>
-      </p:pic>
-      <p:sp>
-        <p:nvSpPr>
-          <p:cNvPr id="6" name="TextBox 6"/>
-          <p:cNvSpPr txBox="1"/>
-          <p:nvPr/>
-        </p:nvSpPr>
-        <p:spPr>
-          <a:xfrm>
-            <a:off x="731520" y="636270"/>
-            <a:ext cx="6166940" cy="854075"/>
-          </a:xfrm>
-          <a:prstGeom prst="rect">
-            <a:avLst/>
-          </a:prstGeom>
-        </p:spPr>
-        <p:txBody>
-          <a:bodyPr lIns="0" tIns="0" rIns="0" bIns="0" rtlCol="0" anchor="t">
-            <a:spAutoFit/>
-          </a:bodyPr>
-          <a:lstStyle/>
-          <a:p>
-            <a:pPr>
-              <a:lnSpc>
-                <a:spcPts val="7000"/>
-              </a:lnSpc>
-            </a:pPr>
-            <a:r>
-              <a:rPr lang="en-US" sz="5000" dirty="0" err="1">
-                <a:solidFill>
-                  <a:srgbClr val="FFFFFF"/>
-                </a:solidFill>
-                <a:latin typeface="Montserrat Semi-Bold"/>
-              </a:rPr>
-              <a:t>Nosso</a:t>
-            </a:r>
-            <a:r>
-              <a:rPr lang="en-US" sz="5000" dirty="0">
-                <a:solidFill>
-                  <a:srgbClr val="FFFFFF"/>
-                </a:solidFill>
-                <a:latin typeface="Montserrat Semi-Bold"/>
-              </a:rPr>
-              <a:t> </a:t>
-            </a:r>
-            <a:r>
-              <a:rPr lang="en-US" sz="5000" dirty="0" err="1">
-                <a:solidFill>
-                  <a:srgbClr val="FFFFFF"/>
-                </a:solidFill>
-                <a:latin typeface="Montserrat Semi-Bold"/>
-              </a:rPr>
-              <a:t>catálogo</a:t>
-            </a:r>
-            <a:r>
-              <a:rPr lang="en-US" sz="5000" dirty="0">
-                <a:solidFill>
-                  <a:srgbClr val="FFFFFF"/>
-                </a:solidFill>
-                <a:latin typeface="Montserrat Semi-Bold"/>
-              </a:rPr>
-              <a:t>:</a:t>
-            </a:r>
-          </a:p>
-        </p:txBody>
-      </p:sp>
-      <p:sp>
-        <p:nvSpPr>
-          <p:cNvPr id="7" name="TextBox 7"/>
-          <p:cNvSpPr txBox="1"/>
-          <p:nvPr/>
-        </p:nvSpPr>
-        <p:spPr>
-          <a:xfrm>
-            <a:off x="7008681" y="1963195"/>
-            <a:ext cx="1406478" cy="514350"/>
-          </a:xfrm>
-          <a:prstGeom prst="rect">
-            <a:avLst/>
-          </a:prstGeom>
-        </p:spPr>
-        <p:txBody>
-          <a:bodyPr wrap="square" lIns="0" tIns="0" rIns="0" bIns="0" rtlCol="0" anchor="t">
-            <a:spAutoFit/>
-          </a:bodyPr>
-          <a:lstStyle/>
-          <a:p>
-            <a:pPr algn="ctr">
-              <a:lnSpc>
-                <a:spcPts val="4200"/>
-              </a:lnSpc>
-            </a:pPr>
-            <a:r>
-              <a:rPr lang="en-US" sz="3000" dirty="0">
-                <a:solidFill>
-                  <a:srgbClr val="FFFFFF"/>
-                </a:solidFill>
-                <a:latin typeface="Montserrat Semi-Bold"/>
-              </a:rPr>
-              <a:t>Ferrari</a:t>
-            </a:r>
-          </a:p>
-        </p:txBody>
-      </p:sp>
-      <p:sp>
-        <p:nvSpPr>
-          <p:cNvPr id="8" name="TextBox 8"/>
-          <p:cNvSpPr txBox="1"/>
-          <p:nvPr/>
-        </p:nvSpPr>
-        <p:spPr>
-          <a:xfrm>
-            <a:off x="691485" y="1836589"/>
-            <a:ext cx="2432715" cy="514350"/>
-          </a:xfrm>
-          <a:prstGeom prst="rect">
-            <a:avLst/>
-          </a:prstGeom>
-        </p:spPr>
-        <p:txBody>
-          <a:bodyPr wrap="square" lIns="0" tIns="0" rIns="0" bIns="0" rtlCol="0" anchor="t">
-            <a:spAutoFit/>
-          </a:bodyPr>
-          <a:lstStyle/>
-          <a:p>
-            <a:pPr algn="just">
-              <a:lnSpc>
-                <a:spcPts val="4200"/>
-              </a:lnSpc>
-            </a:pPr>
-            <a:r>
-              <a:rPr lang="en-US" sz="3000" dirty="0">
-                <a:solidFill>
-                  <a:srgbClr val="FFFFFF"/>
-                </a:solidFill>
-                <a:latin typeface="Montserrat Semi-Bold"/>
-              </a:rPr>
-              <a:t>Alfa Romeo</a:t>
-            </a:r>
-          </a:p>
-        </p:txBody>
-      </p:sp>
-      <p:sp>
-        <p:nvSpPr>
-          <p:cNvPr id="9" name="TextBox 9"/>
-          <p:cNvSpPr txBox="1"/>
-          <p:nvPr/>
-        </p:nvSpPr>
-        <p:spPr>
-          <a:xfrm>
-            <a:off x="7008681" y="4587391"/>
-            <a:ext cx="1715839" cy="514350"/>
-          </a:xfrm>
-          <a:prstGeom prst="rect">
-            <a:avLst/>
-          </a:prstGeom>
-        </p:spPr>
-        <p:txBody>
-          <a:bodyPr lIns="0" tIns="0" rIns="0" bIns="0" rtlCol="0" anchor="t">
-            <a:spAutoFit/>
-          </a:bodyPr>
-          <a:lstStyle/>
-          <a:p>
-            <a:pPr>
-              <a:lnSpc>
-                <a:spcPts val="4200"/>
-              </a:lnSpc>
-            </a:pPr>
-            <a:r>
-              <a:rPr lang="en-US" sz="3000" dirty="0">
-                <a:solidFill>
-                  <a:srgbClr val="FFFFFF"/>
-                </a:solidFill>
-                <a:latin typeface="Montserrat Semi-Bold"/>
-              </a:rPr>
-              <a:t>Bugatti</a:t>
-            </a:r>
-          </a:p>
-        </p:txBody>
-      </p:sp>
-      <p:sp>
-        <p:nvSpPr>
-          <p:cNvPr id="10" name="TextBox 10"/>
-          <p:cNvSpPr txBox="1"/>
-          <p:nvPr/>
-        </p:nvSpPr>
-        <p:spPr>
-          <a:xfrm>
-            <a:off x="890369" y="4488477"/>
-            <a:ext cx="1597968" cy="514350"/>
-          </a:xfrm>
-          <a:prstGeom prst="rect">
-            <a:avLst/>
-          </a:prstGeom>
-        </p:spPr>
-        <p:txBody>
-          <a:bodyPr lIns="0" tIns="0" rIns="0" bIns="0" rtlCol="0" anchor="t">
-            <a:spAutoFit/>
-          </a:bodyPr>
-          <a:lstStyle/>
-          <a:p>
-            <a:pPr>
-              <a:lnSpc>
-                <a:spcPts val="4200"/>
-              </a:lnSpc>
-            </a:pPr>
-            <a:r>
-              <a:rPr lang="en-US" sz="3000" dirty="0">
-                <a:solidFill>
-                  <a:srgbClr val="FFFFFF"/>
-                </a:solidFill>
-                <a:latin typeface="Montserrat Semi-Bold"/>
-              </a:rPr>
-              <a:t>Porsche</a:t>
-            </a:r>
-          </a:p>
-        </p:txBody>
-      </p:sp>
-      <p:sp>
-        <p:nvSpPr>
-          <p:cNvPr id="11" name="TextBox 11"/>
-          <p:cNvSpPr txBox="1"/>
-          <p:nvPr/>
-        </p:nvSpPr>
-        <p:spPr>
-          <a:xfrm rot="16200000">
-            <a:off x="6013026" y="3570868"/>
-            <a:ext cx="6098178" cy="1090042"/>
-          </a:xfrm>
-          <a:prstGeom prst="rect">
-            <a:avLst/>
-          </a:prstGeom>
-        </p:spPr>
-        <p:txBody>
-          <a:bodyPr wrap="square" lIns="0" tIns="0" rIns="0" bIns="0" rtlCol="0" anchor="t">
-            <a:spAutoFit/>
-          </a:bodyPr>
-          <a:lstStyle/>
-          <a:p>
-            <a:pPr>
-              <a:lnSpc>
-                <a:spcPts val="8499"/>
-              </a:lnSpc>
-            </a:pPr>
-            <a:r>
-              <a:rPr lang="en-US" sz="8499" dirty="0">
-                <a:solidFill>
-                  <a:srgbClr val="FFFFFF">
-                    <a:alpha val="8627"/>
-                  </a:srgbClr>
-                </a:solidFill>
-                <a:latin typeface="Montserrat Semi-Bold"/>
-              </a:rPr>
-              <a:t>R a b e l </a:t>
-            </a:r>
-            <a:r>
-              <a:rPr lang="en-US" sz="8499" dirty="0" err="1">
-                <a:solidFill>
-                  <a:srgbClr val="FFFFFF">
-                    <a:alpha val="8627"/>
-                  </a:srgbClr>
-                </a:solidFill>
-                <a:latin typeface="Montserrat Semi-Bold"/>
-              </a:rPr>
-              <a:t>l</a:t>
-            </a:r>
-            <a:r>
-              <a:rPr lang="en-US" sz="8499" dirty="0">
-                <a:solidFill>
-                  <a:srgbClr val="FFFFFF">
-                    <a:alpha val="8627"/>
-                  </a:srgbClr>
-                </a:solidFill>
-                <a:latin typeface="Montserrat Semi-Bold"/>
-              </a:rPr>
-              <a:t> o</a:t>
-            </a:r>
-          </a:p>
-        </p:txBody>
-      </p:sp>
     </p:spTree>
   </p:cSld>
   <p:clrMapOvr>
     <a:masterClrMapping/>
   </p:clrMapOvr>
-  <p:transition spd="slow">
-    <p:wipe/>
-  </p:transition>
+  <mc:AlternateContent xmlns:mc="http://schemas.openxmlformats.org/markup-compatibility/2006">
+    <mc:Choice xmlns:p14="http://schemas.microsoft.com/office/powerpoint/2010/main" Requires="p14">
+      <p:transition spd="slow" p14:dur="1500">
+        <p:split orient="vert"/>
+      </p:transition>
+    </mc:Choice>
+    <mc:Fallback>
+      <p:transition spd="slow">
+        <p:split orient="vert"/>
+      </p:transition>
+    </mc:Fallback>
+  </mc:AlternateContent>
 </p:sld>
 </file>
 
-<file path=ppt/slides/slide5.xml><?xml version="1.0" encoding="utf-8"?>
+<file path=ppt/slides/slide6.xml><?xml version="1.0" encoding="utf-8"?>
 <p:sld xmlns:a="http://schemas.openxmlformats.org/drawingml/2006/main" xmlns:r="http://schemas.openxmlformats.org/officeDocument/2006/relationships" xmlns:p="http://schemas.openxmlformats.org/presentationml/2006/main">
   <p:cSld>
     <p:bg>
@@ -4676,6 +5237,51 @@
           <a:chExt cx="0" cy="0"/>
         </a:xfrm>
       </p:grpSpPr>
+      <p:pic>
+        <p:nvPicPr>
+          <p:cNvPr id="5" name="Imagem 4" descr="Desenho de uma cidade&#10;&#10;Descrição gerada automaticamente com confiança baixa">
+            <a:extLst>
+              <a:ext uri="{FF2B5EF4-FFF2-40B4-BE49-F238E27FC236}">
+                <a16:creationId xmlns:a16="http://schemas.microsoft.com/office/drawing/2014/main" id="{4C050F41-0DCB-C9A8-8F62-70F948398B77}"/>
+              </a:ext>
+            </a:extLst>
+          </p:cNvPr>
+          <p:cNvPicPr>
+            <a:picLocks noChangeAspect="1"/>
+          </p:cNvPicPr>
+          <p:nvPr/>
+        </p:nvPicPr>
+        <p:blipFill>
+          <a:blip r:embed="rId2">
+            <a:extLst>
+              <a:ext uri="{BEBA8EAE-BF5A-486C-A8C5-ECC9F3942E4B}">
+                <a14:imgProps xmlns:a14="http://schemas.microsoft.com/office/drawing/2010/main">
+                  <a14:imgLayer r:embed="rId3">
+                    <a14:imgEffect>
+                      <a14:artisticChalkSketch/>
+                    </a14:imgEffect>
+                  </a14:imgLayer>
+                </a14:imgProps>
+              </a:ext>
+              <a:ext uri="{28A0092B-C50C-407E-A947-70E740481C1C}">
+                <a14:useLocalDpi xmlns:a14="http://schemas.microsoft.com/office/drawing/2010/main" val="0"/>
+              </a:ext>
+            </a:extLst>
+          </a:blip>
+          <a:stretch>
+            <a:fillRect/>
+          </a:stretch>
+        </p:blipFill>
+        <p:spPr>
+          <a:xfrm>
+            <a:off x="0" y="0"/>
+            <a:ext cx="9753600" cy="7315200"/>
+          </a:xfrm>
+          <a:prstGeom prst="rect">
+            <a:avLst/>
+          </a:prstGeom>
+        </p:spPr>
+      </p:pic>
       <p:sp>
         <p:nvSpPr>
           <p:cNvPr id="2" name="TextBox 2"/>
@@ -4684,7 +5290,7 @@
         </p:nvSpPr>
         <p:spPr>
           <a:xfrm>
-            <a:off x="685800" y="2362200"/>
+            <a:off x="381000" y="1905000"/>
             <a:ext cx="8179443" cy="3447098"/>
           </a:xfrm>
           <a:prstGeom prst="rect">
@@ -4699,7 +5305,7 @@
           <a:p>
             <a:pPr algn="ctr"/>
             <a:r>
-              <a:rPr lang="pt-BR" sz="3200" b="0" i="0" u="none" strike="noStrike" dirty="0">
+              <a:rPr lang="pt-BR" sz="3200" b="1" i="1" u="none" strike="noStrike" dirty="0">
                 <a:solidFill>
                   <a:srgbClr val="000000"/>
                 </a:solidFill>
@@ -4722,7 +5328,7 @@
           <a:p>
             <a:pPr algn="ctr"/>
             <a:r>
-              <a:rPr lang="pt-BR" sz="3200" b="0" i="0" u="none" strike="noStrike" dirty="0">
+              <a:rPr lang="pt-BR" sz="3200" b="1" i="1" u="none" strike="noStrike" dirty="0">
                 <a:solidFill>
                   <a:srgbClr val="000000"/>
                 </a:solidFill>
@@ -4731,7 +5337,7 @@
               </a:rPr>
               <a:t>E UM AGRADECIMENTO ESPECIAL Á VOCÊ, QUE ACOMPANHOU A NOSSA APRESENTAÇÃO.</a:t>
             </a:r>
-            <a:endParaRPr lang="pt-BR" sz="3200" dirty="0">
+            <a:endParaRPr lang="pt-BR" sz="3200" b="1" i="1" dirty="0">
               <a:solidFill>
                 <a:srgbClr val="000000"/>
               </a:solidFill>
@@ -4770,7 +5376,7 @@
             <a:r>
               <a:rPr lang="en-US" sz="8499" dirty="0">
                 <a:solidFill>
-                  <a:srgbClr val="201F1F">
+                  <a:srgbClr val="FF0000">
                     <a:alpha val="28627"/>
                   </a:srgbClr>
                 </a:solidFill>
@@ -4781,7 +5387,7 @@
             <a:r>
               <a:rPr lang="en-US" sz="8499" dirty="0" err="1">
                 <a:solidFill>
-                  <a:srgbClr val="201F1F">
+                  <a:srgbClr val="FF0000">
                     <a:alpha val="28627"/>
                   </a:srgbClr>
                 </a:solidFill>
@@ -4792,7 +5398,7 @@
             <a:r>
               <a:rPr lang="en-US" sz="8499" dirty="0">
                 <a:solidFill>
-                  <a:srgbClr val="201F1F">
+                  <a:srgbClr val="FF0000">
                     <a:alpha val="28627"/>
                   </a:srgbClr>
                 </a:solidFill>
@@ -4808,9 +5414,18 @@
   <p:clrMapOvr>
     <a:masterClrMapping/>
   </p:clrMapOvr>
-  <p:transition spd="slow">
-    <p:wipe/>
-  </p:transition>
+  <mc:AlternateContent xmlns:mc="http://schemas.openxmlformats.org/markup-compatibility/2006">
+    <mc:Choice xmlns:p14="http://schemas.microsoft.com/office/powerpoint/2010/main" Requires="p14">
+      <p:transition spd="slow" p14:dur="1500">
+        <p:split orient="vert"/>
+      </p:transition>
+    </mc:Choice>
+    <mc:Fallback>
+      <p:transition spd="slow">
+        <p:split orient="vert"/>
+      </p:transition>
+    </mc:Fallback>
+  </mc:AlternateContent>
 </p:sld>
 </file>
 

--- a/Apresentação_Rabello.pptx
+++ b/Apresentação_Rabello.pptx
@@ -3551,61 +3551,13 @@
       </p:grpSpPr>
       <p:sp>
         <p:nvSpPr>
-          <p:cNvPr id="2" name="TextBox 2"/>
-          <p:cNvSpPr txBox="1"/>
-          <p:nvPr/>
-        </p:nvSpPr>
-        <p:spPr>
-          <a:xfrm>
-            <a:off x="731520" y="1131570"/>
-            <a:ext cx="5080514" cy="1120774"/>
-          </a:xfrm>
-          <a:prstGeom prst="rect">
-            <a:avLst/>
-          </a:prstGeom>
-        </p:spPr>
-        <p:txBody>
-          <a:bodyPr lIns="0" tIns="0" rIns="0" bIns="0" rtlCol="0" anchor="t">
-            <a:spAutoFit/>
-          </a:bodyPr>
-          <a:lstStyle/>
-          <a:p>
-            <a:pPr algn="just">
-              <a:lnSpc>
-                <a:spcPts val="8499"/>
-              </a:lnSpc>
-            </a:pPr>
-            <a:r>
-              <a:rPr lang="en-US" sz="8499" dirty="0" err="1">
-                <a:solidFill>
-                  <a:srgbClr val="FFFFFF">
-                    <a:alpha val="37647"/>
-                  </a:srgbClr>
-                </a:solidFill>
-                <a:latin typeface="Montserrat Semi-Bold"/>
-              </a:rPr>
-              <a:t>Rabello</a:t>
-            </a:r>
-            <a:endParaRPr lang="en-US" sz="8499" dirty="0">
-              <a:solidFill>
-                <a:srgbClr val="FFFFFF">
-                  <a:alpha val="37647"/>
-                </a:srgbClr>
-              </a:solidFill>
-              <a:latin typeface="Montserrat Semi-Bold"/>
-            </a:endParaRPr>
-          </a:p>
-        </p:txBody>
-      </p:sp>
-      <p:sp>
-        <p:nvSpPr>
           <p:cNvPr id="3" name="TextBox 3"/>
           <p:cNvSpPr txBox="1"/>
           <p:nvPr/>
         </p:nvSpPr>
         <p:spPr>
           <a:xfrm>
-            <a:off x="681480" y="3390771"/>
+            <a:off x="681480" y="2645410"/>
             <a:ext cx="8390640" cy="2024380"/>
           </a:xfrm>
           <a:prstGeom prst="rect">
@@ -3714,44 +3666,142 @@
           </a:p>
         </p:txBody>
       </p:sp>
-      <p:cxnSp>
-        <p:nvCxnSpPr>
-          <p:cNvPr id="4" name="Conector reto 3">
+      <p:sp>
+        <p:nvSpPr>
+          <p:cNvPr id="5" name="TextBox 11">
             <a:extLst>
               <a:ext uri="{FF2B5EF4-FFF2-40B4-BE49-F238E27FC236}">
-                <a16:creationId xmlns:a16="http://schemas.microsoft.com/office/drawing/2014/main" id="{A77249EF-DCCF-4D87-1CEC-D7B9F1C5DDF9}"/>
+                <a16:creationId xmlns:a16="http://schemas.microsoft.com/office/drawing/2014/main" id="{12FBCC61-9C37-B062-29E8-9CD938125B87}"/>
               </a:ext>
             </a:extLst>
           </p:cNvPr>
-          <p:cNvCxnSpPr>
-            <a:cxnSpLocks/>
-          </p:cNvCxnSpPr>
+          <p:cNvSpPr txBox="1"/>
           <p:nvPr/>
-        </p:nvCxnSpPr>
+        </p:nvSpPr>
         <p:spPr>
-          <a:xfrm>
-            <a:off x="731520" y="2057400"/>
-            <a:ext cx="5576967" cy="0"/>
+          <a:xfrm rot="16200000">
+            <a:off x="6248728" y="3374264"/>
+            <a:ext cx="6098178" cy="1090042"/>
           </a:xfrm>
-          <a:prstGeom prst="line">
+          <a:prstGeom prst="rect">
             <a:avLst/>
           </a:prstGeom>
         </p:spPr>
-        <p:style>
-          <a:lnRef idx="2">
-            <a:schemeClr val="accent2"/>
-          </a:lnRef>
-          <a:fillRef idx="0">
-            <a:schemeClr val="accent2"/>
-          </a:fillRef>
-          <a:effectRef idx="1">
-            <a:schemeClr val="accent2"/>
-          </a:effectRef>
-          <a:fontRef idx="minor">
-            <a:schemeClr val="tx1"/>
-          </a:fontRef>
-        </p:style>
-      </p:cxnSp>
+        <p:txBody>
+          <a:bodyPr wrap="square" lIns="0" tIns="0" rIns="0" bIns="0" rtlCol="0" anchor="t">
+            <a:spAutoFit/>
+          </a:bodyPr>
+          <a:lstStyle/>
+          <a:p>
+            <a:pPr>
+              <a:lnSpc>
+                <a:spcPts val="8499"/>
+              </a:lnSpc>
+            </a:pPr>
+            <a:r>
+              <a:rPr lang="en-US" sz="8499" dirty="0">
+                <a:solidFill>
+                  <a:srgbClr val="FFFFFF">
+                    <a:alpha val="8627"/>
+                  </a:srgbClr>
+                </a:solidFill>
+                <a:latin typeface="Montserrat Semi-Bold"/>
+              </a:rPr>
+              <a:t>R a b e l </a:t>
+            </a:r>
+            <a:r>
+              <a:rPr lang="en-US" sz="8499" dirty="0" err="1">
+                <a:solidFill>
+                  <a:srgbClr val="FFFFFF">
+                    <a:alpha val="8627"/>
+                  </a:srgbClr>
+                </a:solidFill>
+                <a:latin typeface="Montserrat Semi-Bold"/>
+              </a:rPr>
+              <a:t>l</a:t>
+            </a:r>
+            <a:r>
+              <a:rPr lang="en-US" sz="8499" dirty="0">
+                <a:solidFill>
+                  <a:srgbClr val="FFFFFF">
+                    <a:alpha val="8627"/>
+                  </a:srgbClr>
+                </a:solidFill>
+                <a:latin typeface="Montserrat Semi-Bold"/>
+              </a:rPr>
+              <a:t> o</a:t>
+            </a:r>
+          </a:p>
+        </p:txBody>
+      </p:sp>
+      <p:sp>
+        <p:nvSpPr>
+          <p:cNvPr id="6" name="TextBox 2">
+            <a:extLst>
+              <a:ext uri="{FF2B5EF4-FFF2-40B4-BE49-F238E27FC236}">
+                <a16:creationId xmlns:a16="http://schemas.microsoft.com/office/drawing/2014/main" id="{82F7C059-4FC7-1F9B-FDFD-D8AD583DACD2}"/>
+              </a:ext>
+            </a:extLst>
+          </p:cNvPr>
+          <p:cNvSpPr txBox="1"/>
+          <p:nvPr/>
+        </p:nvSpPr>
+        <p:spPr>
+          <a:xfrm>
+            <a:off x="992118" y="636270"/>
+            <a:ext cx="5027682" cy="831703"/>
+          </a:xfrm>
+          <a:prstGeom prst="rect">
+            <a:avLst/>
+          </a:prstGeom>
+        </p:spPr>
+        <p:txBody>
+          <a:bodyPr wrap="square" lIns="0" tIns="0" rIns="0" bIns="0" rtlCol="0" anchor="t">
+            <a:spAutoFit/>
+          </a:bodyPr>
+          <a:lstStyle/>
+          <a:p>
+            <a:pPr algn="ctr">
+              <a:lnSpc>
+                <a:spcPts val="7000"/>
+              </a:lnSpc>
+            </a:pPr>
+            <a:r>
+              <a:rPr lang="en-US" sz="5000" dirty="0" err="1">
+                <a:solidFill>
+                  <a:schemeClr val="bg1"/>
+                </a:solidFill>
+                <a:latin typeface="Montserrat Semi-Bold"/>
+              </a:rPr>
+              <a:t>Nossa</a:t>
+            </a:r>
+            <a:r>
+              <a:rPr lang="en-US" sz="5000" dirty="0">
+                <a:solidFill>
+                  <a:schemeClr val="bg1"/>
+                </a:solidFill>
+                <a:latin typeface="Montserrat Semi-Bold"/>
+              </a:rPr>
+              <a:t> </a:t>
+            </a:r>
+            <a:r>
+              <a:rPr lang="en-US" sz="5000" dirty="0" err="1">
+                <a:solidFill>
+                  <a:schemeClr val="bg1"/>
+                </a:solidFill>
+                <a:latin typeface="Montserrat Semi-Bold"/>
+              </a:rPr>
+              <a:t>objetivo</a:t>
+            </a:r>
+            <a:endParaRPr lang="en-US" sz="5000" dirty="0">
+              <a:solidFill>
+                <a:schemeClr val="bg1"/>
+              </a:solidFill>
+              <a:latin typeface="Montserrat Semi-Bold"/>
+            </a:endParaRPr>
+          </a:p>
+        </p:txBody>
+      </p:sp>
     </p:spTree>
   </p:cSld>
   <p:clrMapOvr>
@@ -4932,31 +4982,6 @@
           <a:chExt cx="0" cy="0"/>
         </a:xfrm>
       </p:grpSpPr>
-      <p:pic>
-        <p:nvPicPr>
-          <p:cNvPr id="3" name="Picture 3"/>
-          <p:cNvPicPr>
-            <a:picLocks noChangeAspect="1"/>
-          </p:cNvPicPr>
-          <p:nvPr/>
-        </p:nvPicPr>
-        <p:blipFill>
-          <a:blip r:embed="rId2"/>
-          <a:srcRect/>
-          <a:stretch>
-            <a:fillRect/>
-          </a:stretch>
-        </p:blipFill>
-        <p:spPr>
-          <a:xfrm>
-            <a:off x="5341596" y="2069147"/>
-            <a:ext cx="3113728" cy="1588453"/>
-          </a:xfrm>
-          <a:prstGeom prst="rect">
-            <a:avLst/>
-          </a:prstGeom>
-        </p:spPr>
-      </p:pic>
       <p:sp>
         <p:nvSpPr>
           <p:cNvPr id="6" name="TextBox 6"/>
@@ -5099,7 +5124,7 @@
           <p:nvPr/>
         </p:nvPicPr>
         <p:blipFill>
-          <a:blip r:embed="rId3">
+          <a:blip r:embed="rId2">
             <a:extLst>
               <a:ext uri="{28A0092B-C50C-407E-A947-70E740481C1C}">
                 <a14:useLocalDpi xmlns:a14="http://schemas.microsoft.com/office/drawing/2010/main" val="0"/>
@@ -5135,7 +5160,7 @@
           <p:nvPr/>
         </p:nvPicPr>
         <p:blipFill>
-          <a:blip r:embed="rId4" cstate="print">
+          <a:blip r:embed="rId3" cstate="print">
             <a:extLst>
               <a:ext uri="{28A0092B-C50C-407E-A947-70E740481C1C}">
                 <a14:useLocalDpi xmlns:a14="http://schemas.microsoft.com/office/drawing/2010/main" val="0"/>
@@ -5171,6 +5196,42 @@
           <p:nvPr/>
         </p:nvPicPr>
         <p:blipFill>
+          <a:blip r:embed="rId4" cstate="print">
+            <a:extLst>
+              <a:ext uri="{28A0092B-C50C-407E-A947-70E740481C1C}">
+                <a14:useLocalDpi xmlns:a14="http://schemas.microsoft.com/office/drawing/2010/main" val="0"/>
+              </a:ext>
+            </a:extLst>
+          </a:blip>
+          <a:stretch>
+            <a:fillRect/>
+          </a:stretch>
+        </p:blipFill>
+        <p:spPr>
+          <a:xfrm>
+            <a:off x="5810231" y="4375170"/>
+            <a:ext cx="1762877" cy="2274112"/>
+          </a:xfrm>
+          <a:prstGeom prst="rect">
+            <a:avLst/>
+          </a:prstGeom>
+        </p:spPr>
+      </p:pic>
+      <p:pic>
+        <p:nvPicPr>
+          <p:cNvPr id="4" name="Imagem 3" descr="Logotipo, nome da empresa&#10;&#10;Descrição gerada automaticamente">
+            <a:extLst>
+              <a:ext uri="{FF2B5EF4-FFF2-40B4-BE49-F238E27FC236}">
+                <a16:creationId xmlns:a16="http://schemas.microsoft.com/office/drawing/2014/main" id="{445CBC53-9E9D-27A1-CF73-A3CA15830B7A}"/>
+              </a:ext>
+            </a:extLst>
+          </p:cNvPr>
+          <p:cNvPicPr>
+            <a:picLocks noChangeAspect="1"/>
+          </p:cNvPicPr>
+          <p:nvPr/>
+        </p:nvPicPr>
+        <p:blipFill>
           <a:blip r:embed="rId5" cstate="print">
             <a:extLst>
               <a:ext uri="{28A0092B-C50C-407E-A947-70E740481C1C}">
@@ -5184,8 +5245,8 @@
         </p:blipFill>
         <p:spPr>
           <a:xfrm>
-            <a:off x="6172200" y="4414343"/>
-            <a:ext cx="1762877" cy="2274112"/>
+            <a:off x="4876800" y="1802974"/>
+            <a:ext cx="3629741" cy="2173366"/>
           </a:xfrm>
           <a:prstGeom prst="rect">
             <a:avLst/>

--- a/Apresentação_Rabello.pptx
+++ b/Apresentação_Rabello.pptx
@@ -382,13 +382,13 @@
   <p:clrMapOvr>
     <a:masterClrMapping/>
   </p:clrMapOvr>
-  <mc:AlternateContent xmlns:mc="http://schemas.openxmlformats.org/markup-compatibility/2006">
-    <mc:Choice xmlns:p14="http://schemas.microsoft.com/office/powerpoint/2010/main" Requires="p14">
+  <mc:AlternateContent xmlns:mc="http://schemas.openxmlformats.org/markup-compatibility/2006" xmlns:p14="http://schemas.microsoft.com/office/powerpoint/2010/main">
+    <mc:Choice Requires="p14">
       <p:transition spd="slow" p14:dur="1500">
         <p:split orient="vert"/>
       </p:transition>
     </mc:Choice>
-    <mc:Fallback>
+    <mc:Fallback xmlns="">
       <p:transition spd="slow">
         <p:split orient="vert"/>
       </p:transition>
@@ -559,13 +559,13 @@
   <p:clrMapOvr>
     <a:masterClrMapping/>
   </p:clrMapOvr>
-  <mc:AlternateContent xmlns:mc="http://schemas.openxmlformats.org/markup-compatibility/2006">
-    <mc:Choice xmlns:p14="http://schemas.microsoft.com/office/powerpoint/2010/main" Requires="p14">
+  <mc:AlternateContent xmlns:mc="http://schemas.openxmlformats.org/markup-compatibility/2006" xmlns:p14="http://schemas.microsoft.com/office/powerpoint/2010/main">
+    <mc:Choice Requires="p14">
       <p:transition spd="slow" p14:dur="1500">
         <p:split orient="vert"/>
       </p:transition>
     </mc:Choice>
-    <mc:Fallback>
+    <mc:Fallback xmlns="">
       <p:transition spd="slow">
         <p:split orient="vert"/>
       </p:transition>
@@ -746,13 +746,13 @@
   <p:clrMapOvr>
     <a:masterClrMapping/>
   </p:clrMapOvr>
-  <mc:AlternateContent xmlns:mc="http://schemas.openxmlformats.org/markup-compatibility/2006">
-    <mc:Choice xmlns:p14="http://schemas.microsoft.com/office/powerpoint/2010/main" Requires="p14">
+  <mc:AlternateContent xmlns:mc="http://schemas.openxmlformats.org/markup-compatibility/2006" xmlns:p14="http://schemas.microsoft.com/office/powerpoint/2010/main">
+    <mc:Choice Requires="p14">
       <p:transition spd="slow" p14:dur="1500">
         <p:split orient="vert"/>
       </p:transition>
     </mc:Choice>
-    <mc:Fallback>
+    <mc:Fallback xmlns="">
       <p:transition spd="slow">
         <p:split orient="vert"/>
       </p:transition>
@@ -923,13 +923,13 @@
   <p:clrMapOvr>
     <a:masterClrMapping/>
   </p:clrMapOvr>
-  <mc:AlternateContent xmlns:mc="http://schemas.openxmlformats.org/markup-compatibility/2006">
-    <mc:Choice xmlns:p14="http://schemas.microsoft.com/office/powerpoint/2010/main" Requires="p14">
+  <mc:AlternateContent xmlns:mc="http://schemas.openxmlformats.org/markup-compatibility/2006" xmlns:p14="http://schemas.microsoft.com/office/powerpoint/2010/main">
+    <mc:Choice Requires="p14">
       <p:transition spd="slow" p14:dur="1500">
         <p:split orient="vert"/>
       </p:transition>
     </mc:Choice>
-    <mc:Fallback>
+    <mc:Fallback xmlns="">
       <p:transition spd="slow">
         <p:split orient="vert"/>
       </p:transition>
@@ -1177,13 +1177,13 @@
   <p:clrMapOvr>
     <a:masterClrMapping/>
   </p:clrMapOvr>
-  <mc:AlternateContent xmlns:mc="http://schemas.openxmlformats.org/markup-compatibility/2006">
-    <mc:Choice xmlns:p14="http://schemas.microsoft.com/office/powerpoint/2010/main" Requires="p14">
+  <mc:AlternateContent xmlns:mc="http://schemas.openxmlformats.org/markup-compatibility/2006" xmlns:p14="http://schemas.microsoft.com/office/powerpoint/2010/main">
+    <mc:Choice Requires="p14">
       <p:transition spd="slow" p14:dur="1500">
         <p:split orient="vert"/>
       </p:transition>
     </mc:Choice>
-    <mc:Fallback>
+    <mc:Fallback xmlns="">
       <p:transition spd="slow">
         <p:split orient="vert"/>
       </p:transition>
@@ -1471,13 +1471,13 @@
   <p:clrMapOvr>
     <a:masterClrMapping/>
   </p:clrMapOvr>
-  <mc:AlternateContent xmlns:mc="http://schemas.openxmlformats.org/markup-compatibility/2006">
-    <mc:Choice xmlns:p14="http://schemas.microsoft.com/office/powerpoint/2010/main" Requires="p14">
+  <mc:AlternateContent xmlns:mc="http://schemas.openxmlformats.org/markup-compatibility/2006" xmlns:p14="http://schemas.microsoft.com/office/powerpoint/2010/main">
+    <mc:Choice Requires="p14">
       <p:transition spd="slow" p14:dur="1500">
         <p:split orient="vert"/>
       </p:transition>
     </mc:Choice>
-    <mc:Fallback>
+    <mc:Fallback xmlns="">
       <p:transition spd="slow">
         <p:split orient="vert"/>
       </p:transition>
@@ -1899,13 +1899,13 @@
   <p:clrMapOvr>
     <a:masterClrMapping/>
   </p:clrMapOvr>
-  <mc:AlternateContent xmlns:mc="http://schemas.openxmlformats.org/markup-compatibility/2006">
-    <mc:Choice xmlns:p14="http://schemas.microsoft.com/office/powerpoint/2010/main" Requires="p14">
+  <mc:AlternateContent xmlns:mc="http://schemas.openxmlformats.org/markup-compatibility/2006" xmlns:p14="http://schemas.microsoft.com/office/powerpoint/2010/main">
+    <mc:Choice Requires="p14">
       <p:transition spd="slow" p14:dur="1500">
         <p:split orient="vert"/>
       </p:transition>
     </mc:Choice>
-    <mc:Fallback>
+    <mc:Fallback xmlns="">
       <p:transition spd="slow">
         <p:split orient="vert"/>
       </p:transition>
@@ -2025,13 +2025,13 @@
   <p:clrMapOvr>
     <a:masterClrMapping/>
   </p:clrMapOvr>
-  <mc:AlternateContent xmlns:mc="http://schemas.openxmlformats.org/markup-compatibility/2006">
-    <mc:Choice xmlns:p14="http://schemas.microsoft.com/office/powerpoint/2010/main" Requires="p14">
+  <mc:AlternateContent xmlns:mc="http://schemas.openxmlformats.org/markup-compatibility/2006" xmlns:p14="http://schemas.microsoft.com/office/powerpoint/2010/main">
+    <mc:Choice Requires="p14">
       <p:transition spd="slow" p14:dur="1500">
         <p:split orient="vert"/>
       </p:transition>
     </mc:Choice>
-    <mc:Fallback>
+    <mc:Fallback xmlns="">
       <p:transition spd="slow">
         <p:split orient="vert"/>
       </p:transition>
@@ -2129,13 +2129,13 @@
   <p:clrMapOvr>
     <a:masterClrMapping/>
   </p:clrMapOvr>
-  <mc:AlternateContent xmlns:mc="http://schemas.openxmlformats.org/markup-compatibility/2006">
-    <mc:Choice xmlns:p14="http://schemas.microsoft.com/office/powerpoint/2010/main" Requires="p14">
+  <mc:AlternateContent xmlns:mc="http://schemas.openxmlformats.org/markup-compatibility/2006" xmlns:p14="http://schemas.microsoft.com/office/powerpoint/2010/main">
+    <mc:Choice Requires="p14">
       <p:transition spd="slow" p14:dur="1500">
         <p:split orient="vert"/>
       </p:transition>
     </mc:Choice>
-    <mc:Fallback>
+    <mc:Fallback xmlns="">
       <p:transition spd="slow">
         <p:split orient="vert"/>
       </p:transition>
@@ -2413,13 +2413,13 @@
   <p:clrMapOvr>
     <a:masterClrMapping/>
   </p:clrMapOvr>
-  <mc:AlternateContent xmlns:mc="http://schemas.openxmlformats.org/markup-compatibility/2006">
-    <mc:Choice xmlns:p14="http://schemas.microsoft.com/office/powerpoint/2010/main" Requires="p14">
+  <mc:AlternateContent xmlns:mc="http://schemas.openxmlformats.org/markup-compatibility/2006" xmlns:p14="http://schemas.microsoft.com/office/powerpoint/2010/main">
+    <mc:Choice Requires="p14">
       <p:transition spd="slow" p14:dur="1500">
         <p:split orient="vert"/>
       </p:transition>
     </mc:Choice>
-    <mc:Fallback>
+    <mc:Fallback xmlns="">
       <p:transition spd="slow">
         <p:split orient="vert"/>
       </p:transition>
@@ -2674,13 +2674,13 @@
   <p:clrMapOvr>
     <a:masterClrMapping/>
   </p:clrMapOvr>
-  <mc:AlternateContent xmlns:mc="http://schemas.openxmlformats.org/markup-compatibility/2006">
-    <mc:Choice xmlns:p14="http://schemas.microsoft.com/office/powerpoint/2010/main" Requires="p14">
+  <mc:AlternateContent xmlns:mc="http://schemas.openxmlformats.org/markup-compatibility/2006" xmlns:p14="http://schemas.microsoft.com/office/powerpoint/2010/main">
+    <mc:Choice Requires="p14">
       <p:transition spd="slow" p14:dur="1500">
         <p:split orient="vert"/>
       </p:transition>
     </mc:Choice>
-    <mc:Fallback>
+    <mc:Fallback xmlns="">
       <p:transition spd="slow">
         <p:split orient="vert"/>
       </p:transition>
@@ -2941,13 +2941,13 @@
     <p:sldLayoutId id="2147483658" r:id="rId10"/>
     <p:sldLayoutId id="2147483659" r:id="rId11"/>
   </p:sldLayoutIdLst>
-  <mc:AlternateContent xmlns:mc="http://schemas.openxmlformats.org/markup-compatibility/2006">
-    <mc:Choice xmlns:p14="http://schemas.microsoft.com/office/powerpoint/2010/main" Requires="p14">
+  <mc:AlternateContent xmlns:mc="http://schemas.openxmlformats.org/markup-compatibility/2006" xmlns:p14="http://schemas.microsoft.com/office/powerpoint/2010/main">
+    <mc:Choice Requires="p14">
       <p:transition spd="slow" p14:dur="1500">
         <p:split orient="vert"/>
       </p:transition>
     </mc:Choice>
-    <mc:Fallback>
+    <mc:Fallback xmlns="">
       <p:transition spd="slow">
         <p:split orient="vert"/>
       </p:transition>
@@ -3509,13 +3509,13 @@
   <p:clrMapOvr>
     <a:masterClrMapping/>
   </p:clrMapOvr>
-  <mc:AlternateContent xmlns:mc="http://schemas.openxmlformats.org/markup-compatibility/2006">
-    <mc:Choice xmlns:p14="http://schemas.microsoft.com/office/powerpoint/2010/main" Requires="p14">
+  <mc:AlternateContent xmlns:mc="http://schemas.openxmlformats.org/markup-compatibility/2006" xmlns:p14="http://schemas.microsoft.com/office/powerpoint/2010/main">
+    <mc:Choice Requires="p14">
       <p:transition spd="slow" p14:dur="1500">
         <p:split orient="vert"/>
       </p:transition>
     </mc:Choice>
-    <mc:Fallback>
+    <mc:Fallback xmlns="">
       <p:transition spd="slow">
         <p:split orient="vert"/>
       </p:transition>
@@ -3807,13 +3807,13 @@
   <p:clrMapOvr>
     <a:masterClrMapping/>
   </p:clrMapOvr>
-  <mc:AlternateContent xmlns:mc="http://schemas.openxmlformats.org/markup-compatibility/2006">
-    <mc:Choice xmlns:p14="http://schemas.microsoft.com/office/powerpoint/2010/main" Requires="p14">
+  <mc:AlternateContent xmlns:mc="http://schemas.openxmlformats.org/markup-compatibility/2006" xmlns:p14="http://schemas.microsoft.com/office/powerpoint/2010/main">
+    <mc:Choice Requires="p14">
       <p:transition spd="slow" p14:dur="1500">
         <p:split orient="vert"/>
       </p:transition>
     </mc:Choice>
-    <mc:Fallback>
+    <mc:Fallback xmlns="">
       <p:transition spd="slow">
         <p:split orient="vert"/>
       </p:transition>
@@ -4483,13 +4483,13 @@
   <p:clrMapOvr>
     <a:masterClrMapping/>
   </p:clrMapOvr>
-  <mc:AlternateContent xmlns:mc="http://schemas.openxmlformats.org/markup-compatibility/2006">
-    <mc:Choice xmlns:p14="http://schemas.microsoft.com/office/powerpoint/2010/main" Requires="p14">
+  <mc:AlternateContent xmlns:mc="http://schemas.openxmlformats.org/markup-compatibility/2006" xmlns:p14="http://schemas.microsoft.com/office/powerpoint/2010/main">
+    <mc:Choice Requires="p14">
       <p:transition spd="slow" p14:dur="1500">
         <p:split orient="vert"/>
       </p:transition>
     </mc:Choice>
-    <mc:Fallback>
+    <mc:Fallback xmlns="">
       <p:transition spd="slow">
         <p:split orient="vert"/>
       </p:transition>
@@ -4716,7 +4716,7 @@
         </p:nvSpPr>
         <p:spPr>
           <a:xfrm>
-            <a:off x="3124200" y="2438400"/>
+            <a:off x="2895600" y="2514600"/>
             <a:ext cx="3733800" cy="369332"/>
           </a:xfrm>
           <a:prstGeom prst="rect">
@@ -4731,10 +4731,10 @@
           <a:lstStyle/>
           <a:p>
             <a:r>
-              <a:rPr lang="pt-BR" dirty="0">
+              <a:rPr lang="pt-BR" i="1" dirty="0">
                 <a:latin typeface="Montserrat" panose="00000500000000000000" pitchFamily="2" charset="0"/>
               </a:rPr>
-              <a:t>Presidente: Ismael do S. Moura</a:t>
+              <a:t>CEO - Ismael do S. Moura</a:t>
             </a:r>
           </a:p>
         </p:txBody>
@@ -4753,7 +4753,7 @@
         </p:nvSpPr>
         <p:spPr>
           <a:xfrm>
-            <a:off x="3124200" y="3146029"/>
+            <a:off x="2895600" y="3006359"/>
             <a:ext cx="3733800" cy="369332"/>
           </a:xfrm>
           <a:prstGeom prst="rect">
@@ -4768,30 +4768,30 @@
           <a:lstStyle/>
           <a:p>
             <a:r>
-              <a:rPr lang="pt-BR" dirty="0">
+              <a:rPr lang="pt-BR" i="1" dirty="0">
                 <a:latin typeface="Montserrat" panose="00000500000000000000" pitchFamily="2" charset="0"/>
               </a:rPr>
-              <a:t>*******: </a:t>
-            </a:r>
-            <a:r>
-              <a:rPr lang="pt-BR" dirty="0" err="1">
+              <a:t>CTO - </a:t>
+            </a:r>
+            <a:r>
+              <a:rPr lang="pt-BR" i="1" dirty="0" err="1">
                 <a:latin typeface="Montserrat" panose="00000500000000000000" pitchFamily="2" charset="0"/>
               </a:rPr>
               <a:t>Aryon</a:t>
             </a:r>
             <a:r>
-              <a:rPr lang="pt-BR" dirty="0">
+              <a:rPr lang="pt-BR" i="1" dirty="0">
                 <a:latin typeface="Montserrat" panose="00000500000000000000" pitchFamily="2" charset="0"/>
               </a:rPr>
               <a:t> R </a:t>
             </a:r>
             <a:r>
-              <a:rPr lang="pt-BR" dirty="0" err="1">
+              <a:rPr lang="pt-BR" i="1" dirty="0" err="1">
                 <a:latin typeface="Montserrat" panose="00000500000000000000" pitchFamily="2" charset="0"/>
               </a:rPr>
               <a:t>Jeronymo</a:t>
             </a:r>
-            <a:endParaRPr lang="pt-BR" dirty="0">
+            <a:endParaRPr lang="pt-BR" i="1" dirty="0">
               <a:latin typeface="Montserrat" panose="00000500000000000000" pitchFamily="2" charset="0"/>
             </a:endParaRPr>
           </a:p>
@@ -4811,7 +4811,7 @@
         </p:nvSpPr>
         <p:spPr>
           <a:xfrm>
-            <a:off x="3124200" y="3853658"/>
+            <a:off x="2895600" y="3620545"/>
             <a:ext cx="3733800" cy="369332"/>
           </a:xfrm>
           <a:prstGeom prst="rect">
@@ -4826,10 +4826,10 @@
           <a:lstStyle/>
           <a:p>
             <a:r>
-              <a:rPr lang="pt-BR" dirty="0">
+              <a:rPr lang="pt-BR" i="1" dirty="0">
                 <a:latin typeface="Montserrat" panose="00000500000000000000" pitchFamily="2" charset="0"/>
               </a:rPr>
-              <a:t>********: Cássio R Braga</a:t>
+              <a:t>CFO - Cássio R Braga</a:t>
             </a:r>
           </a:p>
         </p:txBody>
@@ -4848,7 +4848,7 @@
         </p:nvSpPr>
         <p:spPr>
           <a:xfrm>
-            <a:off x="3095625" y="4565317"/>
+            <a:off x="2895600" y="4234731"/>
             <a:ext cx="3733800" cy="369332"/>
           </a:xfrm>
           <a:prstGeom prst="rect">
@@ -4863,19 +4863,19 @@
           <a:lstStyle/>
           <a:p>
             <a:r>
-              <a:rPr lang="pt-BR" dirty="0">
+              <a:rPr lang="pt-BR" i="1" dirty="0">
                 <a:latin typeface="Montserrat" panose="00000500000000000000" pitchFamily="2" charset="0"/>
               </a:rPr>
-              <a:t>********: </a:t>
-            </a:r>
-            <a:r>
-              <a:rPr lang="pt-BR" dirty="0" err="1">
+              <a:t>CCO - </a:t>
+            </a:r>
+            <a:r>
+              <a:rPr lang="pt-BR" i="1" dirty="0" err="1">
                 <a:latin typeface="Montserrat" panose="00000500000000000000" pitchFamily="2" charset="0"/>
               </a:rPr>
               <a:t>Djeniffer</a:t>
             </a:r>
             <a:r>
-              <a:rPr lang="pt-BR" dirty="0">
+              <a:rPr lang="pt-BR" i="1" dirty="0">
                 <a:latin typeface="Montserrat" panose="00000500000000000000" pitchFamily="2" charset="0"/>
               </a:rPr>
               <a:t> A. Vidal</a:t>
@@ -4897,7 +4897,7 @@
         </p:nvSpPr>
         <p:spPr>
           <a:xfrm>
-            <a:off x="3124200" y="5209961"/>
+            <a:off x="2895600" y="4848917"/>
             <a:ext cx="3733800" cy="369332"/>
           </a:xfrm>
           <a:prstGeom prst="rect">
@@ -4912,19 +4912,19 @@
           <a:lstStyle/>
           <a:p>
             <a:r>
-              <a:rPr lang="pt-BR" dirty="0">
+              <a:rPr lang="pt-BR" i="1" dirty="0">
                 <a:latin typeface="Montserrat" panose="00000500000000000000" pitchFamily="2" charset="0"/>
               </a:rPr>
-              <a:t>********: </a:t>
-            </a:r>
-            <a:r>
-              <a:rPr lang="pt-BR" dirty="0" err="1">
+              <a:t>COO - </a:t>
+            </a:r>
+            <a:r>
+              <a:rPr lang="pt-BR" i="1" dirty="0" err="1">
                 <a:latin typeface="Montserrat" panose="00000500000000000000" pitchFamily="2" charset="0"/>
               </a:rPr>
               <a:t>Heder</a:t>
             </a:r>
             <a:r>
-              <a:rPr lang="pt-BR" dirty="0">
+              <a:rPr lang="pt-BR" i="1" dirty="0">
                 <a:latin typeface="Montserrat" panose="00000500000000000000" pitchFamily="2" charset="0"/>
               </a:rPr>
               <a:t> L. Santos</a:t>
@@ -4942,13 +4942,13 @@
   <p:clrMapOvr>
     <a:masterClrMapping/>
   </p:clrMapOvr>
-  <mc:AlternateContent xmlns:mc="http://schemas.openxmlformats.org/markup-compatibility/2006">
-    <mc:Choice xmlns:p14="http://schemas.microsoft.com/office/powerpoint/2010/main" Requires="p14">
+  <mc:AlternateContent xmlns:mc="http://schemas.openxmlformats.org/markup-compatibility/2006" xmlns:p14="http://schemas.microsoft.com/office/powerpoint/2010/main">
+    <mc:Choice Requires="p14">
       <p:transition spd="slow" p14:dur="1500">
         <p:split orient="vert"/>
       </p:transition>
     </mc:Choice>
-    <mc:Fallback>
+    <mc:Fallback xmlns="">
       <p:transition spd="slow">
         <p:split orient="vert"/>
       </p:transition>
@@ -5258,13 +5258,13 @@
   <p:clrMapOvr>
     <a:masterClrMapping/>
   </p:clrMapOvr>
-  <mc:AlternateContent xmlns:mc="http://schemas.openxmlformats.org/markup-compatibility/2006">
-    <mc:Choice xmlns:p14="http://schemas.microsoft.com/office/powerpoint/2010/main" Requires="p14">
+  <mc:AlternateContent xmlns:mc="http://schemas.openxmlformats.org/markup-compatibility/2006" xmlns:p14="http://schemas.microsoft.com/office/powerpoint/2010/main">
+    <mc:Choice Requires="p14">
       <p:transition spd="slow" p14:dur="1500">
         <p:split orient="vert"/>
       </p:transition>
     </mc:Choice>
-    <mc:Fallback>
+    <mc:Fallback xmlns="">
       <p:transition spd="slow">
         <p:split orient="vert"/>
       </p:transition>
@@ -5475,13 +5475,13 @@
   <p:clrMapOvr>
     <a:masterClrMapping/>
   </p:clrMapOvr>
-  <mc:AlternateContent xmlns:mc="http://schemas.openxmlformats.org/markup-compatibility/2006">
-    <mc:Choice xmlns:p14="http://schemas.microsoft.com/office/powerpoint/2010/main" Requires="p14">
+  <mc:AlternateContent xmlns:mc="http://schemas.openxmlformats.org/markup-compatibility/2006" xmlns:p14="http://schemas.microsoft.com/office/powerpoint/2010/main">
+    <mc:Choice Requires="p14">
       <p:transition spd="slow" p14:dur="1500">
         <p:split orient="vert"/>
       </p:transition>
     </mc:Choice>
-    <mc:Fallback>
+    <mc:Fallback xmlns="">
       <p:transition spd="slow">
         <p:split orient="vert"/>
       </p:transition>

--- a/Apresentação_Rabello.pptx
+++ b/Apresentação_Rabello.pptx
@@ -6,8 +6,8 @@
   </p:sldMasterIdLst>
   <p:sldIdLst>
     <p:sldId id="256" r:id="rId2"/>
-    <p:sldId id="257" r:id="rId3"/>
-    <p:sldId id="258" r:id="rId4"/>
+    <p:sldId id="258" r:id="rId3"/>
+    <p:sldId id="257" r:id="rId4"/>
     <p:sldId id="262" r:id="rId5"/>
     <p:sldId id="259" r:id="rId6"/>
     <p:sldId id="260" r:id="rId7"/>
@@ -328,7 +328,7 @@
             <a:fld id="{1D8BD707-D9CF-40AE-B4C6-C98DA3205C09}" type="datetimeFigureOut">
               <a:rPr lang="en-US" smtClean="0"/>
               <a:pPr/>
-              <a:t>5/11/2022</a:t>
+              <a:t>5/12/2022</a:t>
             </a:fld>
             <a:endParaRPr lang="en-US"/>
           </a:p>
@@ -505,7 +505,7 @@
             <a:fld id="{1D8BD707-D9CF-40AE-B4C6-C98DA3205C09}" type="datetimeFigureOut">
               <a:rPr lang="en-US" smtClean="0"/>
               <a:pPr/>
-              <a:t>5/11/2022</a:t>
+              <a:t>5/12/2022</a:t>
             </a:fld>
             <a:endParaRPr lang="en-US"/>
           </a:p>
@@ -692,7 +692,7 @@
             <a:fld id="{1D8BD707-D9CF-40AE-B4C6-C98DA3205C09}" type="datetimeFigureOut">
               <a:rPr lang="en-US" smtClean="0"/>
               <a:pPr/>
-              <a:t>5/11/2022</a:t>
+              <a:t>5/12/2022</a:t>
             </a:fld>
             <a:endParaRPr lang="en-US"/>
           </a:p>
@@ -869,7 +869,7 @@
             <a:fld id="{1D8BD707-D9CF-40AE-B4C6-C98DA3205C09}" type="datetimeFigureOut">
               <a:rPr lang="en-US" smtClean="0"/>
               <a:pPr/>
-              <a:t>5/11/2022</a:t>
+              <a:t>5/12/2022</a:t>
             </a:fld>
             <a:endParaRPr lang="en-US"/>
           </a:p>
@@ -1123,7 +1123,7 @@
             <a:fld id="{1D8BD707-D9CF-40AE-B4C6-C98DA3205C09}" type="datetimeFigureOut">
               <a:rPr lang="en-US" smtClean="0"/>
               <a:pPr/>
-              <a:t>5/11/2022</a:t>
+              <a:t>5/12/2022</a:t>
             </a:fld>
             <a:endParaRPr lang="en-US"/>
           </a:p>
@@ -1417,7 +1417,7 @@
             <a:fld id="{1D8BD707-D9CF-40AE-B4C6-C98DA3205C09}" type="datetimeFigureOut">
               <a:rPr lang="en-US" smtClean="0"/>
               <a:pPr/>
-              <a:t>5/11/2022</a:t>
+              <a:t>5/12/2022</a:t>
             </a:fld>
             <a:endParaRPr lang="en-US"/>
           </a:p>
@@ -1845,7 +1845,7 @@
             <a:fld id="{1D8BD707-D9CF-40AE-B4C6-C98DA3205C09}" type="datetimeFigureOut">
               <a:rPr lang="en-US" smtClean="0"/>
               <a:pPr/>
-              <a:t>5/11/2022</a:t>
+              <a:t>5/12/2022</a:t>
             </a:fld>
             <a:endParaRPr lang="en-US"/>
           </a:p>
@@ -1971,7 +1971,7 @@
             <a:fld id="{1D8BD707-D9CF-40AE-B4C6-C98DA3205C09}" type="datetimeFigureOut">
               <a:rPr lang="en-US" smtClean="0"/>
               <a:pPr/>
-              <a:t>5/11/2022</a:t>
+              <a:t>5/12/2022</a:t>
             </a:fld>
             <a:endParaRPr lang="en-US"/>
           </a:p>
@@ -2075,7 +2075,7 @@
             <a:fld id="{1D8BD707-D9CF-40AE-B4C6-C98DA3205C09}" type="datetimeFigureOut">
               <a:rPr lang="en-US" smtClean="0"/>
               <a:pPr/>
-              <a:t>5/11/2022</a:t>
+              <a:t>5/12/2022</a:t>
             </a:fld>
             <a:endParaRPr lang="en-US"/>
           </a:p>
@@ -2359,7 +2359,7 @@
             <a:fld id="{1D8BD707-D9CF-40AE-B4C6-C98DA3205C09}" type="datetimeFigureOut">
               <a:rPr lang="en-US" smtClean="0"/>
               <a:pPr/>
-              <a:t>5/11/2022</a:t>
+              <a:t>5/12/2022</a:t>
             </a:fld>
             <a:endParaRPr lang="en-US"/>
           </a:p>
@@ -2620,7 +2620,7 @@
             <a:fld id="{1D8BD707-D9CF-40AE-B4C6-C98DA3205C09}" type="datetimeFigureOut">
               <a:rPr lang="en-US" smtClean="0"/>
               <a:pPr/>
-              <a:t>5/11/2022</a:t>
+              <a:t>5/12/2022</a:t>
             </a:fld>
             <a:endParaRPr lang="en-US"/>
           </a:p>
@@ -2840,7 +2840,7 @@
             <a:fld id="{1D8BD707-D9CF-40AE-B4C6-C98DA3205C09}" type="datetimeFigureOut">
               <a:rPr lang="en-US" smtClean="0"/>
               <a:pPr/>
-              <a:t>5/11/2022</a:t>
+              <a:t>5/12/2022</a:t>
             </a:fld>
             <a:endParaRPr lang="en-US"/>
           </a:p>
@@ -3530,7 +3530,7 @@
     <p:bg>
       <p:bgPr>
         <a:solidFill>
-          <a:srgbClr val="19191C"/>
+          <a:srgbClr val="A9A9A9"/>
         </a:solidFill>
         <a:effectLst/>
       </p:bgPr>
@@ -3551,127 +3551,573 @@
       </p:grpSpPr>
       <p:sp>
         <p:nvSpPr>
-          <p:cNvPr id="3" name="TextBox 3"/>
+          <p:cNvPr id="2" name="TextBox 2"/>
           <p:cNvSpPr txBox="1"/>
           <p:nvPr/>
         </p:nvSpPr>
         <p:spPr>
           <a:xfrm>
-            <a:off x="681480" y="2645410"/>
-            <a:ext cx="8390640" cy="2024380"/>
+            <a:off x="992118" y="636270"/>
+            <a:ext cx="3579882" cy="854075"/>
           </a:xfrm>
           <a:prstGeom prst="rect">
             <a:avLst/>
           </a:prstGeom>
         </p:spPr>
         <p:txBody>
+          <a:bodyPr wrap="square" lIns="0" tIns="0" rIns="0" bIns="0" rtlCol="0" anchor="t">
+            <a:spAutoFit/>
+          </a:bodyPr>
+          <a:lstStyle/>
+          <a:p>
+            <a:pPr algn="ctr">
+              <a:lnSpc>
+                <a:spcPts val="7000"/>
+              </a:lnSpc>
+            </a:pPr>
+            <a:r>
+              <a:rPr lang="en-US" sz="5000" dirty="0" err="1">
+                <a:solidFill>
+                  <a:srgbClr val="000000"/>
+                </a:solidFill>
+                <a:latin typeface="Montserrat Semi-Bold"/>
+              </a:rPr>
+              <a:t>Sobre</a:t>
+            </a:r>
+            <a:r>
+              <a:rPr lang="en-US" sz="5000" dirty="0">
+                <a:solidFill>
+                  <a:srgbClr val="000000"/>
+                </a:solidFill>
+                <a:latin typeface="Montserrat Semi-Bold"/>
+              </a:rPr>
+              <a:t> </a:t>
+            </a:r>
+            <a:r>
+              <a:rPr lang="en-US" sz="5000" dirty="0" err="1">
+                <a:solidFill>
+                  <a:srgbClr val="000000"/>
+                </a:solidFill>
+                <a:latin typeface="Montserrat Semi-Bold"/>
+              </a:rPr>
+              <a:t>nós</a:t>
+            </a:r>
+            <a:r>
+              <a:rPr lang="en-US" sz="5000" dirty="0">
+                <a:solidFill>
+                  <a:srgbClr val="000000"/>
+                </a:solidFill>
+                <a:latin typeface="Montserrat Semi-Bold"/>
+              </a:rPr>
+              <a:t>:</a:t>
+            </a:r>
+          </a:p>
+        </p:txBody>
+      </p:sp>
+      <p:sp>
+        <p:nvSpPr>
+          <p:cNvPr id="3" name="TextBox 3"/>
+          <p:cNvSpPr txBox="1"/>
+          <p:nvPr/>
+        </p:nvSpPr>
+        <p:spPr>
+          <a:xfrm>
+            <a:off x="2148922" y="2600531"/>
+            <a:ext cx="5455756" cy="3406362"/>
+          </a:xfrm>
+          <a:prstGeom prst="rect">
+            <a:avLst/>
+          </a:prstGeom>
+        </p:spPr>
+        <p:txBody>
           <a:bodyPr lIns="0" tIns="0" rIns="0" bIns="0" rtlCol="0" anchor="t">
             <a:spAutoFit/>
           </a:bodyPr>
           <a:lstStyle/>
           <a:p>
-            <a:pPr algn="ctr">
+            <a:pPr algn="just">
               <a:lnSpc>
-                <a:spcPts val="8119"/>
+                <a:spcPts val="3195"/>
               </a:lnSpc>
             </a:pPr>
             <a:r>
-              <a:rPr lang="en-US" sz="5799" i="1" dirty="0" err="1">
-                <a:solidFill>
-                  <a:srgbClr val="FFFF00"/>
-                </a:solidFill>
-                <a:latin typeface="Montserrat" panose="00000500000000000000" pitchFamily="2" charset="0"/>
-              </a:rPr>
-              <a:t>Não</a:t>
-            </a:r>
-            <a:r>
-              <a:rPr lang="en-US" sz="5799" i="1" dirty="0">
-                <a:solidFill>
-                  <a:srgbClr val="FFFF00"/>
-                </a:solidFill>
-                <a:latin typeface="Montserrat" panose="00000500000000000000" pitchFamily="2" charset="0"/>
+              <a:rPr lang="en-US" sz="2282" dirty="0" err="1">
+                <a:solidFill>
+                  <a:srgbClr val="000000"/>
+                </a:solidFill>
+                <a:latin typeface="Montserrat Semi-Bold"/>
+              </a:rPr>
+              <a:t>Somos</a:t>
+            </a:r>
+            <a:r>
+              <a:rPr lang="en-US" sz="2282" dirty="0">
+                <a:solidFill>
+                  <a:srgbClr val="000000"/>
+                </a:solidFill>
+                <a:latin typeface="Montserrat Semi-Bold"/>
               </a:rPr>
               <a:t> </a:t>
             </a:r>
             <a:r>
-              <a:rPr lang="en-US" sz="5799" i="1" dirty="0" err="1">
-                <a:solidFill>
-                  <a:srgbClr val="FFFF00"/>
-                </a:solidFill>
-                <a:latin typeface="Montserrat" panose="00000500000000000000" pitchFamily="2" charset="0"/>
-              </a:rPr>
-              <a:t>vendemos</a:t>
-            </a:r>
-            <a:r>
-              <a:rPr lang="en-US" sz="5799" i="1" dirty="0">
-                <a:solidFill>
-                  <a:srgbClr val="FFFF00"/>
-                </a:solidFill>
-                <a:latin typeface="Montserrat" panose="00000500000000000000" pitchFamily="2" charset="0"/>
+              <a:rPr lang="en-US" sz="2282" dirty="0" err="1">
+                <a:solidFill>
+                  <a:srgbClr val="000000"/>
+                </a:solidFill>
+                <a:latin typeface="Montserrat Semi-Bold"/>
+              </a:rPr>
+              <a:t>uma</a:t>
+            </a:r>
+            <a:r>
+              <a:rPr lang="en-US" sz="2282" dirty="0">
+                <a:solidFill>
+                  <a:srgbClr val="000000"/>
+                </a:solidFill>
+                <a:latin typeface="Montserrat Semi-Bold"/>
               </a:rPr>
               <a:t> </a:t>
             </a:r>
             <a:r>
-              <a:rPr lang="en-US" sz="5799" i="1" dirty="0" err="1">
-                <a:solidFill>
-                  <a:srgbClr val="FFFF00"/>
-                </a:solidFill>
-                <a:latin typeface="Montserrat" panose="00000500000000000000" pitchFamily="2" charset="0"/>
-              </a:rPr>
-              <a:t>carros</a:t>
-            </a:r>
-            <a:r>
-              <a:rPr lang="en-US" sz="5799" i="1" dirty="0">
-                <a:solidFill>
-                  <a:srgbClr val="FFFF00"/>
-                </a:solidFill>
-                <a:latin typeface="Montserrat" panose="00000500000000000000" pitchFamily="2" charset="0"/>
-              </a:rPr>
-              <a:t>,</a:t>
-            </a:r>
-          </a:p>
-          <a:p>
-            <a:pPr algn="ctr">
+              <a:rPr lang="en-US" sz="2282" dirty="0" err="1">
+                <a:solidFill>
+                  <a:srgbClr val="000000"/>
+                </a:solidFill>
+                <a:latin typeface="Montserrat Semi-Bold"/>
+              </a:rPr>
+              <a:t>empresa</a:t>
+            </a:r>
+            <a:r>
+              <a:rPr lang="en-US" sz="2282" dirty="0">
+                <a:solidFill>
+                  <a:srgbClr val="000000"/>
+                </a:solidFill>
+                <a:latin typeface="Montserrat Semi-Bold"/>
+              </a:rPr>
+              <a:t> </a:t>
+            </a:r>
+            <a:r>
+              <a:rPr lang="en-US" sz="2282" dirty="0" err="1">
+                <a:solidFill>
+                  <a:srgbClr val="000000"/>
+                </a:solidFill>
+                <a:latin typeface="Montserrat Semi-Bold"/>
+              </a:rPr>
+              <a:t>focada</a:t>
+            </a:r>
+            <a:r>
+              <a:rPr lang="en-US" sz="2282" dirty="0">
+                <a:solidFill>
+                  <a:srgbClr val="000000"/>
+                </a:solidFill>
+                <a:latin typeface="Montserrat Semi-Bold"/>
+              </a:rPr>
+              <a:t> </a:t>
+            </a:r>
+            <a:r>
+              <a:rPr lang="en-US" sz="2282" dirty="0" err="1">
+                <a:solidFill>
+                  <a:srgbClr val="000000"/>
+                </a:solidFill>
+                <a:latin typeface="Montserrat Semi-Bold"/>
+              </a:rPr>
+              <a:t>em</a:t>
+            </a:r>
+            <a:r>
+              <a:rPr lang="en-US" sz="2282" dirty="0">
+                <a:solidFill>
+                  <a:srgbClr val="000000"/>
+                </a:solidFill>
+                <a:latin typeface="Montserrat Semi-Bold"/>
+              </a:rPr>
+              <a:t> </a:t>
+            </a:r>
+            <a:r>
+              <a:rPr lang="en-US" sz="2282" dirty="0" err="1">
+                <a:solidFill>
+                  <a:srgbClr val="000000"/>
+                </a:solidFill>
+                <a:latin typeface="Montserrat Semi-Bold"/>
+              </a:rPr>
+              <a:t>trazer</a:t>
+            </a:r>
+            <a:r>
+              <a:rPr lang="en-US" sz="2282" dirty="0">
+                <a:solidFill>
+                  <a:srgbClr val="000000"/>
+                </a:solidFill>
+                <a:latin typeface="Montserrat Semi-Bold"/>
+              </a:rPr>
+              <a:t> </a:t>
+            </a:r>
+            <a:r>
+              <a:rPr lang="en-US" sz="2282" dirty="0" err="1">
+                <a:solidFill>
+                  <a:srgbClr val="000000"/>
+                </a:solidFill>
+                <a:latin typeface="Montserrat Semi-Bold"/>
+              </a:rPr>
+              <a:t>os</a:t>
+            </a:r>
+            <a:r>
+              <a:rPr lang="en-US" sz="2282" dirty="0">
+                <a:solidFill>
+                  <a:srgbClr val="000000"/>
+                </a:solidFill>
+                <a:latin typeface="Montserrat Semi-Bold"/>
+              </a:rPr>
+              <a:t> </a:t>
+            </a:r>
+            <a:r>
+              <a:rPr lang="en-US" sz="2282" dirty="0" err="1">
+                <a:solidFill>
+                  <a:srgbClr val="000000"/>
+                </a:solidFill>
+                <a:latin typeface="Montserrat Semi-Bold"/>
+              </a:rPr>
+              <a:t>melhores</a:t>
+            </a:r>
+            <a:r>
+              <a:rPr lang="en-US" sz="2282" dirty="0">
+                <a:solidFill>
+                  <a:srgbClr val="000000"/>
+                </a:solidFill>
+                <a:latin typeface="Montserrat Semi-Bold"/>
+              </a:rPr>
+              <a:t> </a:t>
+            </a:r>
+            <a:r>
+              <a:rPr lang="en-US" sz="2282" dirty="0" err="1">
+                <a:solidFill>
+                  <a:srgbClr val="000000"/>
+                </a:solidFill>
+                <a:latin typeface="Montserrat Semi-Bold"/>
+              </a:rPr>
+              <a:t>veículos</a:t>
+            </a:r>
+            <a:r>
+              <a:rPr lang="en-US" sz="2282" dirty="0">
+                <a:solidFill>
+                  <a:srgbClr val="000000"/>
+                </a:solidFill>
+                <a:latin typeface="Montserrat Semi-Bold"/>
+              </a:rPr>
+              <a:t> de </a:t>
+            </a:r>
+            <a:r>
+              <a:rPr lang="en-US" sz="2282" dirty="0" err="1">
+                <a:solidFill>
+                  <a:srgbClr val="000000"/>
+                </a:solidFill>
+                <a:latin typeface="Montserrat Semi-Bold"/>
+              </a:rPr>
+              <a:t>luxo</a:t>
+            </a:r>
+            <a:endParaRPr lang="en-US" sz="2282" dirty="0">
+              <a:solidFill>
+                <a:srgbClr val="000000"/>
+              </a:solidFill>
+              <a:latin typeface="Montserrat Semi-Bold"/>
+            </a:endParaRPr>
+          </a:p>
+          <a:p>
+            <a:pPr algn="just">
               <a:lnSpc>
-                <a:spcPts val="8119"/>
+                <a:spcPts val="3499"/>
               </a:lnSpc>
             </a:pPr>
             <a:r>
-              <a:rPr lang="en-US" sz="5799" i="1" dirty="0">
-                <a:solidFill>
-                  <a:srgbClr val="FFFF00"/>
-                </a:solidFill>
-                <a:latin typeface="Montserrat" panose="00000500000000000000" pitchFamily="2" charset="0"/>
-              </a:rPr>
-              <a:t>e sim </a:t>
-            </a:r>
-            <a:r>
-              <a:rPr lang="en-US" sz="5799" i="1" dirty="0" err="1">
-                <a:solidFill>
-                  <a:srgbClr val="FFFF00"/>
-                </a:solidFill>
-                <a:latin typeface="Montserrat" panose="00000500000000000000" pitchFamily="2" charset="0"/>
-              </a:rPr>
-              <a:t>experiências</a:t>
-            </a:r>
-            <a:r>
-              <a:rPr lang="en-US" sz="5799" i="1" dirty="0">
-                <a:solidFill>
-                  <a:srgbClr val="FFFF00"/>
-                </a:solidFill>
-                <a:latin typeface="Montserrat" panose="00000500000000000000" pitchFamily="2" charset="0"/>
+              <a:rPr lang="en-US" sz="2499" dirty="0">
+                <a:solidFill>
+                  <a:srgbClr val="000000"/>
+                </a:solidFill>
+                <a:latin typeface="Montserrat Semi-Bold"/>
+              </a:rPr>
+              <a:t>que </a:t>
+            </a:r>
+            <a:r>
+              <a:rPr lang="en-US" sz="2499" dirty="0" err="1">
+                <a:solidFill>
+                  <a:srgbClr val="000000"/>
+                </a:solidFill>
+                <a:latin typeface="Montserrat Semi-Bold"/>
+              </a:rPr>
+              <a:t>existem</a:t>
+            </a:r>
+            <a:r>
+              <a:rPr lang="en-US" sz="2499" dirty="0">
+                <a:solidFill>
+                  <a:srgbClr val="000000"/>
+                </a:solidFill>
+                <a:latin typeface="Montserrat Semi-Bold"/>
+              </a:rPr>
+              <a:t> </a:t>
+            </a:r>
+            <a:r>
+              <a:rPr lang="en-US" sz="2499" dirty="0" err="1">
+                <a:solidFill>
+                  <a:srgbClr val="000000"/>
+                </a:solidFill>
+                <a:latin typeface="Montserrat Semi-Bold"/>
+              </a:rPr>
+              <a:t>na</a:t>
+            </a:r>
+            <a:r>
+              <a:rPr lang="en-US" sz="2499" dirty="0">
+                <a:solidFill>
+                  <a:srgbClr val="000000"/>
+                </a:solidFill>
+                <a:latin typeface="Montserrat Semi-Bold"/>
+              </a:rPr>
+              <a:t> </a:t>
+            </a:r>
+            <a:r>
+              <a:rPr lang="en-US" sz="2499" dirty="0" err="1">
+                <a:solidFill>
+                  <a:srgbClr val="000000"/>
+                </a:solidFill>
+                <a:latin typeface="Montserrat Semi-Bold"/>
+              </a:rPr>
+              <a:t>atualidade</a:t>
+            </a:r>
+            <a:r>
+              <a:rPr lang="en-US" sz="2499" dirty="0">
+                <a:solidFill>
+                  <a:srgbClr val="000000"/>
+                </a:solidFill>
+                <a:latin typeface="Montserrat Semi-Bold"/>
               </a:rPr>
               <a:t>.</a:t>
             </a:r>
           </a:p>
-        </p:txBody>
-      </p:sp>
-      <p:sp>
-        <p:nvSpPr>
-          <p:cNvPr id="5" name="TextBox 11">
+          <a:p>
+            <a:pPr algn="just">
+              <a:lnSpc>
+                <a:spcPts val="3499"/>
+              </a:lnSpc>
+            </a:pPr>
+            <a:endParaRPr lang="en-US" sz="2499" dirty="0">
+              <a:solidFill>
+                <a:srgbClr val="000000"/>
+              </a:solidFill>
+              <a:latin typeface="Montserrat Semi-Bold"/>
+            </a:endParaRPr>
+          </a:p>
+          <a:p>
+            <a:pPr algn="just">
+              <a:lnSpc>
+                <a:spcPts val="3499"/>
+              </a:lnSpc>
+            </a:pPr>
+            <a:r>
+              <a:rPr lang="en-US" sz="2499" dirty="0" err="1">
+                <a:solidFill>
+                  <a:srgbClr val="000000"/>
+                </a:solidFill>
+                <a:latin typeface="Montserrat Semi-Bold"/>
+              </a:rPr>
+              <a:t>Nosso</a:t>
+            </a:r>
+            <a:r>
+              <a:rPr lang="en-US" sz="2499" dirty="0">
+                <a:solidFill>
+                  <a:srgbClr val="000000"/>
+                </a:solidFill>
+                <a:latin typeface="Montserrat Semi-Bold"/>
+              </a:rPr>
+              <a:t> </a:t>
+            </a:r>
+            <a:r>
+              <a:rPr lang="en-US" sz="2499" dirty="0" err="1">
+                <a:solidFill>
+                  <a:srgbClr val="000000"/>
+                </a:solidFill>
+                <a:latin typeface="Montserrat Semi-Bold"/>
+              </a:rPr>
+              <a:t>foco</a:t>
+            </a:r>
+            <a:r>
+              <a:rPr lang="en-US" sz="2499" dirty="0">
+                <a:solidFill>
+                  <a:srgbClr val="000000"/>
+                </a:solidFill>
+                <a:latin typeface="Montserrat Semi-Bold"/>
+              </a:rPr>
+              <a:t> é </a:t>
+            </a:r>
+            <a:r>
+              <a:rPr lang="en-US" sz="2499" dirty="0" err="1">
+                <a:solidFill>
+                  <a:srgbClr val="000000"/>
+                </a:solidFill>
+                <a:latin typeface="Montserrat Semi-Bold"/>
+              </a:rPr>
+              <a:t>garantir</a:t>
+            </a:r>
+            <a:r>
+              <a:rPr lang="en-US" sz="2499" dirty="0">
+                <a:solidFill>
+                  <a:srgbClr val="000000"/>
+                </a:solidFill>
+                <a:latin typeface="Montserrat Semi-Bold"/>
+              </a:rPr>
+              <a:t> que </a:t>
+            </a:r>
+            <a:r>
+              <a:rPr lang="en-US" sz="2499" dirty="0" err="1">
+                <a:solidFill>
+                  <a:srgbClr val="000000"/>
+                </a:solidFill>
+                <a:latin typeface="Montserrat Semi-Bold"/>
+              </a:rPr>
+              <a:t>nossos</a:t>
+            </a:r>
+            <a:endParaRPr lang="en-US" sz="2499" dirty="0">
+              <a:solidFill>
+                <a:srgbClr val="000000"/>
+              </a:solidFill>
+              <a:latin typeface="Montserrat Semi-Bold"/>
+            </a:endParaRPr>
+          </a:p>
+          <a:p>
+            <a:pPr algn="just">
+              <a:lnSpc>
+                <a:spcPts val="3499"/>
+              </a:lnSpc>
+            </a:pPr>
+            <a:r>
+              <a:rPr lang="en-US" sz="2499" dirty="0" err="1">
+                <a:solidFill>
+                  <a:srgbClr val="000000"/>
+                </a:solidFill>
+                <a:latin typeface="Montserrat Semi-Bold"/>
+              </a:rPr>
+              <a:t>clientes</a:t>
+            </a:r>
+            <a:r>
+              <a:rPr lang="en-US" sz="2499" dirty="0">
+                <a:solidFill>
+                  <a:srgbClr val="000000"/>
+                </a:solidFill>
+                <a:latin typeface="Montserrat Semi-Bold"/>
+              </a:rPr>
+              <a:t> sempre </a:t>
+            </a:r>
+            <a:r>
+              <a:rPr lang="en-US" sz="2499" dirty="0" err="1">
+                <a:solidFill>
+                  <a:srgbClr val="000000"/>
+                </a:solidFill>
+                <a:latin typeface="Montserrat Semi-Bold"/>
+              </a:rPr>
+              <a:t>tenham</a:t>
+            </a:r>
+            <a:r>
+              <a:rPr lang="en-US" sz="2499" dirty="0">
+                <a:solidFill>
+                  <a:srgbClr val="000000"/>
+                </a:solidFill>
+                <a:latin typeface="Montserrat Semi-Bold"/>
+              </a:rPr>
+              <a:t> o </a:t>
+            </a:r>
+            <a:r>
+              <a:rPr lang="en-US" sz="2499" dirty="0" err="1">
+                <a:solidFill>
+                  <a:srgbClr val="000000"/>
+                </a:solidFill>
+                <a:latin typeface="Montserrat Semi-Bold"/>
+              </a:rPr>
+              <a:t>melhor</a:t>
+            </a:r>
+            <a:r>
+              <a:rPr lang="en-US" sz="2499" dirty="0">
+                <a:solidFill>
+                  <a:srgbClr val="000000"/>
+                </a:solidFill>
+                <a:latin typeface="Montserrat Semi-Bold"/>
+              </a:rPr>
+              <a:t>, </a:t>
+            </a:r>
+            <a:r>
+              <a:rPr lang="en-US" sz="2499" dirty="0" err="1">
+                <a:solidFill>
+                  <a:srgbClr val="000000"/>
+                </a:solidFill>
+                <a:latin typeface="Montserrat Semi-Bold"/>
+              </a:rPr>
+              <a:t>mais</a:t>
+            </a:r>
+            <a:r>
+              <a:rPr lang="en-US" sz="2499" dirty="0">
+                <a:solidFill>
+                  <a:srgbClr val="000000"/>
+                </a:solidFill>
+                <a:latin typeface="Montserrat Semi-Bold"/>
+              </a:rPr>
+              <a:t> </a:t>
+            </a:r>
+            <a:r>
+              <a:rPr lang="en-US" sz="2499" dirty="0" err="1">
+                <a:solidFill>
+                  <a:srgbClr val="000000"/>
+                </a:solidFill>
+                <a:latin typeface="Montserrat Semi-Bold"/>
+              </a:rPr>
+              <a:t>potente</a:t>
+            </a:r>
+            <a:r>
+              <a:rPr lang="en-US" sz="2499" dirty="0">
+                <a:solidFill>
+                  <a:srgbClr val="000000"/>
+                </a:solidFill>
+                <a:latin typeface="Montserrat Semi-Bold"/>
+              </a:rPr>
+              <a:t> e </a:t>
+            </a:r>
+            <a:r>
+              <a:rPr lang="en-US" sz="2499" dirty="0" err="1">
+                <a:solidFill>
+                  <a:srgbClr val="000000"/>
+                </a:solidFill>
+                <a:latin typeface="Montserrat Semi-Bold"/>
+              </a:rPr>
+              <a:t>belo</a:t>
+            </a:r>
+            <a:r>
+              <a:rPr lang="en-US" sz="2499" dirty="0">
+                <a:solidFill>
+                  <a:srgbClr val="000000"/>
+                </a:solidFill>
+                <a:latin typeface="Montserrat Semi-Bold"/>
+              </a:rPr>
+              <a:t> </a:t>
+            </a:r>
+            <a:r>
+              <a:rPr lang="en-US" sz="2499" dirty="0" err="1">
+                <a:solidFill>
+                  <a:srgbClr val="000000"/>
+                </a:solidFill>
+                <a:latin typeface="Montserrat Semi-Bold"/>
+              </a:rPr>
+              <a:t>veículo</a:t>
+            </a:r>
+            <a:r>
+              <a:rPr lang="en-US" sz="2499" dirty="0">
+                <a:solidFill>
+                  <a:srgbClr val="000000"/>
+                </a:solidFill>
+                <a:latin typeface="Montserrat Semi-Bold"/>
+              </a:rPr>
+              <a:t>.</a:t>
+            </a:r>
+          </a:p>
+        </p:txBody>
+      </p:sp>
+      <p:sp>
+        <p:nvSpPr>
+          <p:cNvPr id="5" name="TextBox 3">
             <a:extLst>
               <a:ext uri="{FF2B5EF4-FFF2-40B4-BE49-F238E27FC236}">
-                <a16:creationId xmlns:a16="http://schemas.microsoft.com/office/drawing/2014/main" id="{12FBCC61-9C37-B062-29E8-9CD938125B87}"/>
+                <a16:creationId xmlns:a16="http://schemas.microsoft.com/office/drawing/2014/main" id="{D9AF2D04-8111-161E-8AB9-E2F5B3C4875D}"/>
               </a:ext>
             </a:extLst>
           </p:cNvPr>
@@ -3680,8 +4126,8 @@
         </p:nvSpPr>
         <p:spPr>
           <a:xfrm rot="16200000">
-            <a:off x="6248728" y="3374264"/>
-            <a:ext cx="6098178" cy="1090042"/>
+            <a:off x="6155270" y="3293530"/>
+            <a:ext cx="6305502" cy="1090042"/>
           </a:xfrm>
           <a:prstGeom prst="rect">
             <a:avLst/>
@@ -3701,8 +4147,8 @@
             <a:r>
               <a:rPr lang="en-US" sz="8499" dirty="0">
                 <a:solidFill>
-                  <a:srgbClr val="FFFFFF">
-                    <a:alpha val="8627"/>
+                  <a:srgbClr val="201F1F">
+                    <a:alpha val="28627"/>
                   </a:srgbClr>
                 </a:solidFill>
                 <a:latin typeface="Montserrat Semi-Bold"/>
@@ -3712,8 +4158,8 @@
             <a:r>
               <a:rPr lang="en-US" sz="8499" dirty="0" err="1">
                 <a:solidFill>
-                  <a:srgbClr val="FFFFFF">
-                    <a:alpha val="8627"/>
+                  <a:srgbClr val="201F1F">
+                    <a:alpha val="28627"/>
                   </a:srgbClr>
                 </a:solidFill>
                 <a:latin typeface="Montserrat Semi-Bold"/>
@@ -3723,82 +4169,14 @@
             <a:r>
               <a:rPr lang="en-US" sz="8499" dirty="0">
                 <a:solidFill>
-                  <a:srgbClr val="FFFFFF">
-                    <a:alpha val="8627"/>
+                  <a:srgbClr val="201F1F">
+                    <a:alpha val="28627"/>
                   </a:srgbClr>
                 </a:solidFill>
                 <a:latin typeface="Montserrat Semi-Bold"/>
               </a:rPr>
               <a:t> o</a:t>
             </a:r>
-          </a:p>
-        </p:txBody>
-      </p:sp>
-      <p:sp>
-        <p:nvSpPr>
-          <p:cNvPr id="6" name="TextBox 2">
-            <a:extLst>
-              <a:ext uri="{FF2B5EF4-FFF2-40B4-BE49-F238E27FC236}">
-                <a16:creationId xmlns:a16="http://schemas.microsoft.com/office/drawing/2014/main" id="{82F7C059-4FC7-1F9B-FDFD-D8AD583DACD2}"/>
-              </a:ext>
-            </a:extLst>
-          </p:cNvPr>
-          <p:cNvSpPr txBox="1"/>
-          <p:nvPr/>
-        </p:nvSpPr>
-        <p:spPr>
-          <a:xfrm>
-            <a:off x="992118" y="636270"/>
-            <a:ext cx="5027682" cy="831703"/>
-          </a:xfrm>
-          <a:prstGeom prst="rect">
-            <a:avLst/>
-          </a:prstGeom>
-        </p:spPr>
-        <p:txBody>
-          <a:bodyPr wrap="square" lIns="0" tIns="0" rIns="0" bIns="0" rtlCol="0" anchor="t">
-            <a:spAutoFit/>
-          </a:bodyPr>
-          <a:lstStyle/>
-          <a:p>
-            <a:pPr algn="ctr">
-              <a:lnSpc>
-                <a:spcPts val="7000"/>
-              </a:lnSpc>
-            </a:pPr>
-            <a:r>
-              <a:rPr lang="en-US" sz="5000" dirty="0" err="1">
-                <a:solidFill>
-                  <a:schemeClr val="bg1"/>
-                </a:solidFill>
-                <a:latin typeface="Montserrat Semi-Bold"/>
-              </a:rPr>
-              <a:t>Nossa</a:t>
-            </a:r>
-            <a:r>
-              <a:rPr lang="en-US" sz="5000" dirty="0">
-                <a:solidFill>
-                  <a:schemeClr val="bg1"/>
-                </a:solidFill>
-                <a:latin typeface="Montserrat Semi-Bold"/>
-              </a:rPr>
-              <a:t> </a:t>
-            </a:r>
-            <a:r>
-              <a:rPr lang="en-US" sz="5000" dirty="0" err="1">
-                <a:solidFill>
-                  <a:schemeClr val="bg1"/>
-                </a:solidFill>
-                <a:latin typeface="Montserrat Semi-Bold"/>
-              </a:rPr>
-              <a:t>objetivo</a:t>
-            </a:r>
-            <a:endParaRPr lang="en-US" sz="5000" dirty="0">
-              <a:solidFill>
-                <a:schemeClr val="bg1"/>
-              </a:solidFill>
-              <a:latin typeface="Montserrat Semi-Bold"/>
-            </a:endParaRPr>
           </a:p>
         </p:txBody>
       </p:sp>
@@ -3828,7 +4206,7 @@
     <p:bg>
       <p:bgPr>
         <a:solidFill>
-          <a:srgbClr val="A9A9A9"/>
+          <a:srgbClr val="19191C"/>
         </a:solidFill>
         <a:effectLst/>
       </p:bgPr>
@@ -3849,20 +4227,211 @@
       </p:grpSpPr>
       <p:sp>
         <p:nvSpPr>
-          <p:cNvPr id="2" name="TextBox 2"/>
+          <p:cNvPr id="3" name="TextBox 3"/>
           <p:cNvSpPr txBox="1"/>
           <p:nvPr/>
         </p:nvSpPr>
         <p:spPr>
           <a:xfrm>
-            <a:off x="992118" y="636270"/>
-            <a:ext cx="3579882" cy="854075"/>
+            <a:off x="681480" y="2645410"/>
+            <a:ext cx="8390640" cy="2024380"/>
           </a:xfrm>
           <a:prstGeom prst="rect">
             <a:avLst/>
           </a:prstGeom>
         </p:spPr>
         <p:txBody>
+          <a:bodyPr lIns="0" tIns="0" rIns="0" bIns="0" rtlCol="0" anchor="t">
+            <a:spAutoFit/>
+          </a:bodyPr>
+          <a:lstStyle/>
+          <a:p>
+            <a:pPr algn="ctr">
+              <a:lnSpc>
+                <a:spcPts val="8119"/>
+              </a:lnSpc>
+            </a:pPr>
+            <a:r>
+              <a:rPr lang="en-US" sz="5799" i="1" dirty="0" err="1">
+                <a:solidFill>
+                  <a:srgbClr val="FFFF00"/>
+                </a:solidFill>
+                <a:latin typeface="Montserrat" panose="00000500000000000000" pitchFamily="2" charset="0"/>
+              </a:rPr>
+              <a:t>Não</a:t>
+            </a:r>
+            <a:r>
+              <a:rPr lang="en-US" sz="5799" i="1" dirty="0">
+                <a:solidFill>
+                  <a:srgbClr val="FFFF00"/>
+                </a:solidFill>
+                <a:latin typeface="Montserrat" panose="00000500000000000000" pitchFamily="2" charset="0"/>
+              </a:rPr>
+              <a:t> </a:t>
+            </a:r>
+            <a:r>
+              <a:rPr lang="en-US" sz="5799" i="1" dirty="0" err="1">
+                <a:solidFill>
+                  <a:srgbClr val="FFFF00"/>
+                </a:solidFill>
+                <a:latin typeface="Montserrat" panose="00000500000000000000" pitchFamily="2" charset="0"/>
+              </a:rPr>
+              <a:t>vendemos</a:t>
+            </a:r>
+            <a:r>
+              <a:rPr lang="en-US" sz="5799" i="1" dirty="0">
+                <a:solidFill>
+                  <a:srgbClr val="FFFF00"/>
+                </a:solidFill>
+                <a:latin typeface="Montserrat" panose="00000500000000000000" pitchFamily="2" charset="0"/>
+              </a:rPr>
+              <a:t> </a:t>
+            </a:r>
+            <a:r>
+              <a:rPr lang="en-US" sz="5799" i="1" dirty="0" err="1">
+                <a:solidFill>
+                  <a:srgbClr val="FFFF00"/>
+                </a:solidFill>
+                <a:latin typeface="Montserrat" panose="00000500000000000000" pitchFamily="2" charset="0"/>
+              </a:rPr>
+              <a:t>carros</a:t>
+            </a:r>
+            <a:r>
+              <a:rPr lang="en-US" sz="5799" i="1" dirty="0">
+                <a:solidFill>
+                  <a:srgbClr val="FFFF00"/>
+                </a:solidFill>
+                <a:latin typeface="Montserrat" panose="00000500000000000000" pitchFamily="2" charset="0"/>
+              </a:rPr>
+              <a:t>,</a:t>
+            </a:r>
+          </a:p>
+          <a:p>
+            <a:pPr algn="ctr">
+              <a:lnSpc>
+                <a:spcPts val="8119"/>
+              </a:lnSpc>
+            </a:pPr>
+            <a:r>
+              <a:rPr lang="en-US" sz="5799" i="1" dirty="0">
+                <a:solidFill>
+                  <a:srgbClr val="FFFF00"/>
+                </a:solidFill>
+                <a:latin typeface="Montserrat" panose="00000500000000000000" pitchFamily="2" charset="0"/>
+              </a:rPr>
+              <a:t>e sim </a:t>
+            </a:r>
+            <a:r>
+              <a:rPr lang="en-US" sz="5799" i="1" dirty="0" err="1">
+                <a:solidFill>
+                  <a:srgbClr val="FFFF00"/>
+                </a:solidFill>
+                <a:latin typeface="Montserrat" panose="00000500000000000000" pitchFamily="2" charset="0"/>
+              </a:rPr>
+              <a:t>experiências</a:t>
+            </a:r>
+            <a:r>
+              <a:rPr lang="en-US" sz="5799" i="1" dirty="0">
+                <a:solidFill>
+                  <a:srgbClr val="FFFF00"/>
+                </a:solidFill>
+                <a:latin typeface="Montserrat" panose="00000500000000000000" pitchFamily="2" charset="0"/>
+              </a:rPr>
+              <a:t>.</a:t>
+            </a:r>
+          </a:p>
+        </p:txBody>
+      </p:sp>
+      <p:sp>
+        <p:nvSpPr>
+          <p:cNvPr id="5" name="TextBox 11">
+            <a:extLst>
+              <a:ext uri="{FF2B5EF4-FFF2-40B4-BE49-F238E27FC236}">
+                <a16:creationId xmlns:a16="http://schemas.microsoft.com/office/drawing/2014/main" id="{12FBCC61-9C37-B062-29E8-9CD938125B87}"/>
+              </a:ext>
+            </a:extLst>
+          </p:cNvPr>
+          <p:cNvSpPr txBox="1"/>
+          <p:nvPr/>
+        </p:nvSpPr>
+        <p:spPr>
+          <a:xfrm rot="16200000">
+            <a:off x="6248728" y="3374264"/>
+            <a:ext cx="6098178" cy="1090042"/>
+          </a:xfrm>
+          <a:prstGeom prst="rect">
+            <a:avLst/>
+          </a:prstGeom>
+        </p:spPr>
+        <p:txBody>
+          <a:bodyPr wrap="square" lIns="0" tIns="0" rIns="0" bIns="0" rtlCol="0" anchor="t">
+            <a:spAutoFit/>
+          </a:bodyPr>
+          <a:lstStyle/>
+          <a:p>
+            <a:pPr>
+              <a:lnSpc>
+                <a:spcPts val="8499"/>
+              </a:lnSpc>
+            </a:pPr>
+            <a:r>
+              <a:rPr lang="en-US" sz="8499" dirty="0">
+                <a:solidFill>
+                  <a:srgbClr val="FFFFFF">
+                    <a:alpha val="8627"/>
+                  </a:srgbClr>
+                </a:solidFill>
+                <a:latin typeface="Montserrat Semi-Bold"/>
+              </a:rPr>
+              <a:t>R a b e l </a:t>
+            </a:r>
+            <a:r>
+              <a:rPr lang="en-US" sz="8499" dirty="0" err="1">
+                <a:solidFill>
+                  <a:srgbClr val="FFFFFF">
+                    <a:alpha val="8627"/>
+                  </a:srgbClr>
+                </a:solidFill>
+                <a:latin typeface="Montserrat Semi-Bold"/>
+              </a:rPr>
+              <a:t>l</a:t>
+            </a:r>
+            <a:r>
+              <a:rPr lang="en-US" sz="8499" dirty="0">
+                <a:solidFill>
+                  <a:srgbClr val="FFFFFF">
+                    <a:alpha val="8627"/>
+                  </a:srgbClr>
+                </a:solidFill>
+                <a:latin typeface="Montserrat Semi-Bold"/>
+              </a:rPr>
+              <a:t> o</a:t>
+            </a:r>
+          </a:p>
+        </p:txBody>
+      </p:sp>
+      <p:sp>
+        <p:nvSpPr>
+          <p:cNvPr id="6" name="TextBox 2">
+            <a:extLst>
+              <a:ext uri="{FF2B5EF4-FFF2-40B4-BE49-F238E27FC236}">
+                <a16:creationId xmlns:a16="http://schemas.microsoft.com/office/drawing/2014/main" id="{82F7C059-4FC7-1F9B-FDFD-D8AD583DACD2}"/>
+              </a:ext>
+            </a:extLst>
+          </p:cNvPr>
+          <p:cNvSpPr txBox="1"/>
+          <p:nvPr/>
+        </p:nvSpPr>
+        <p:spPr>
+          <a:xfrm>
+            <a:off x="992118" y="636270"/>
+            <a:ext cx="5027682" cy="831703"/>
+          </a:xfrm>
+          <a:prstGeom prst="rect">
+            <a:avLst/>
+          </a:prstGeom>
+        </p:spPr>
+        <p:txBody>
           <a:bodyPr wrap="square" lIns="0" tIns="0" rIns="0" bIns="0" rtlCol="0" anchor="t">
             <a:spAutoFit/>
           </a:bodyPr>
@@ -3876,16 +4445,16 @@
             <a:r>
               <a:rPr lang="en-US" sz="5000" dirty="0" err="1">
                 <a:solidFill>
-                  <a:srgbClr val="000000"/>
-                </a:solidFill>
-                <a:latin typeface="Montserrat Semi-Bold"/>
-              </a:rPr>
-              <a:t>Sobre</a:t>
+                  <a:schemeClr val="bg1"/>
+                </a:solidFill>
+                <a:latin typeface="Montserrat Semi-Bold"/>
+              </a:rPr>
+              <a:t>Nosso</a:t>
             </a:r>
             <a:r>
               <a:rPr lang="en-US" sz="5000" dirty="0">
                 <a:solidFill>
-                  <a:srgbClr val="000000"/>
+                  <a:schemeClr val="bg1"/>
                 </a:solidFill>
                 <a:latin typeface="Montserrat Semi-Bold"/>
               </a:rPr>
@@ -3894,587 +4463,18 @@
             <a:r>
               <a:rPr lang="en-US" sz="5000" dirty="0" err="1">
                 <a:solidFill>
-                  <a:srgbClr val="000000"/>
-                </a:solidFill>
-                <a:latin typeface="Montserrat Semi-Bold"/>
-              </a:rPr>
-              <a:t>nós</a:t>
-            </a:r>
-            <a:r>
-              <a:rPr lang="en-US" sz="5000" dirty="0">
-                <a:solidFill>
-                  <a:srgbClr val="000000"/>
-                </a:solidFill>
-                <a:latin typeface="Montserrat Semi-Bold"/>
-              </a:rPr>
-              <a:t>:</a:t>
-            </a:r>
-          </a:p>
-        </p:txBody>
-      </p:sp>
-      <p:sp>
-        <p:nvSpPr>
-          <p:cNvPr id="3" name="TextBox 3"/>
-          <p:cNvSpPr txBox="1"/>
-          <p:nvPr/>
-        </p:nvSpPr>
-        <p:spPr>
-          <a:xfrm>
-            <a:off x="2148922" y="2600531"/>
-            <a:ext cx="5455756" cy="3406362"/>
-          </a:xfrm>
-          <a:prstGeom prst="rect">
-            <a:avLst/>
-          </a:prstGeom>
-        </p:spPr>
-        <p:txBody>
-          <a:bodyPr lIns="0" tIns="0" rIns="0" bIns="0" rtlCol="0" anchor="t">
-            <a:spAutoFit/>
-          </a:bodyPr>
-          <a:lstStyle/>
-          <a:p>
-            <a:pPr algn="just">
-              <a:lnSpc>
-                <a:spcPts val="3195"/>
-              </a:lnSpc>
-            </a:pPr>
-            <a:r>
-              <a:rPr lang="en-US" sz="2282" dirty="0" err="1">
-                <a:solidFill>
-                  <a:srgbClr val="000000"/>
-                </a:solidFill>
-                <a:latin typeface="Montserrat Semi-Bold"/>
-              </a:rPr>
-              <a:t>Somos</a:t>
-            </a:r>
-            <a:r>
-              <a:rPr lang="en-US" sz="2282" dirty="0">
-                <a:solidFill>
-                  <a:srgbClr val="000000"/>
-                </a:solidFill>
-                <a:latin typeface="Montserrat Semi-Bold"/>
-              </a:rPr>
-              <a:t> </a:t>
-            </a:r>
-            <a:r>
-              <a:rPr lang="en-US" sz="2282" dirty="0" err="1">
-                <a:solidFill>
-                  <a:srgbClr val="000000"/>
-                </a:solidFill>
-                <a:latin typeface="Montserrat Semi-Bold"/>
-              </a:rPr>
-              <a:t>uma</a:t>
-            </a:r>
-            <a:r>
-              <a:rPr lang="en-US" sz="2282" dirty="0">
-                <a:solidFill>
-                  <a:srgbClr val="000000"/>
-                </a:solidFill>
-                <a:latin typeface="Montserrat Semi-Bold"/>
-              </a:rPr>
-              <a:t> </a:t>
-            </a:r>
-            <a:r>
-              <a:rPr lang="en-US" sz="2282" dirty="0" err="1">
-                <a:solidFill>
-                  <a:srgbClr val="000000"/>
-                </a:solidFill>
-                <a:latin typeface="Montserrat Semi-Bold"/>
-              </a:rPr>
-              <a:t>empresa</a:t>
-            </a:r>
-            <a:r>
-              <a:rPr lang="en-US" sz="2282" dirty="0">
-                <a:solidFill>
-                  <a:srgbClr val="000000"/>
-                </a:solidFill>
-                <a:latin typeface="Montserrat Semi-Bold"/>
-              </a:rPr>
-              <a:t> </a:t>
-            </a:r>
-            <a:r>
-              <a:rPr lang="en-US" sz="2282" dirty="0" err="1">
-                <a:solidFill>
-                  <a:srgbClr val="000000"/>
-                </a:solidFill>
-                <a:latin typeface="Montserrat Semi-Bold"/>
-              </a:rPr>
-              <a:t>focada</a:t>
-            </a:r>
-            <a:r>
-              <a:rPr lang="en-US" sz="2282" dirty="0">
-                <a:solidFill>
-                  <a:srgbClr val="000000"/>
-                </a:solidFill>
-                <a:latin typeface="Montserrat Semi-Bold"/>
-              </a:rPr>
-              <a:t> </a:t>
-            </a:r>
-            <a:r>
-              <a:rPr lang="en-US" sz="2282" dirty="0" err="1">
-                <a:solidFill>
-                  <a:srgbClr val="000000"/>
-                </a:solidFill>
-                <a:latin typeface="Montserrat Semi-Bold"/>
-              </a:rPr>
-              <a:t>em</a:t>
-            </a:r>
-            <a:r>
-              <a:rPr lang="en-US" sz="2282" dirty="0">
-                <a:solidFill>
-                  <a:srgbClr val="000000"/>
-                </a:solidFill>
-                <a:latin typeface="Montserrat Semi-Bold"/>
-              </a:rPr>
-              <a:t> </a:t>
-            </a:r>
-            <a:r>
-              <a:rPr lang="en-US" sz="2282" dirty="0" err="1">
-                <a:solidFill>
-                  <a:srgbClr val="000000"/>
-                </a:solidFill>
-                <a:latin typeface="Montserrat Semi-Bold"/>
-              </a:rPr>
-              <a:t>trazer</a:t>
-            </a:r>
-            <a:r>
-              <a:rPr lang="en-US" sz="2282" dirty="0">
-                <a:solidFill>
-                  <a:srgbClr val="000000"/>
-                </a:solidFill>
-                <a:latin typeface="Montserrat Semi-Bold"/>
-              </a:rPr>
-              <a:t> </a:t>
-            </a:r>
-            <a:r>
-              <a:rPr lang="en-US" sz="2282" dirty="0" err="1">
-                <a:solidFill>
-                  <a:srgbClr val="000000"/>
-                </a:solidFill>
-                <a:latin typeface="Montserrat Semi-Bold"/>
-              </a:rPr>
-              <a:t>os</a:t>
-            </a:r>
-            <a:r>
-              <a:rPr lang="en-US" sz="2282" dirty="0">
-                <a:solidFill>
-                  <a:srgbClr val="000000"/>
-                </a:solidFill>
-                <a:latin typeface="Montserrat Semi-Bold"/>
-              </a:rPr>
-              <a:t> </a:t>
-            </a:r>
-            <a:r>
-              <a:rPr lang="en-US" sz="2282" dirty="0" err="1">
-                <a:solidFill>
-                  <a:srgbClr val="000000"/>
-                </a:solidFill>
-                <a:latin typeface="Montserrat Semi-Bold"/>
-              </a:rPr>
-              <a:t>melhores</a:t>
-            </a:r>
-            <a:r>
-              <a:rPr lang="en-US" sz="2282" dirty="0">
-                <a:solidFill>
-                  <a:srgbClr val="000000"/>
-                </a:solidFill>
-                <a:latin typeface="Montserrat Semi-Bold"/>
-              </a:rPr>
-              <a:t> </a:t>
-            </a:r>
-            <a:r>
-              <a:rPr lang="en-US" sz="2282" dirty="0" err="1">
-                <a:solidFill>
-                  <a:srgbClr val="000000"/>
-                </a:solidFill>
-                <a:latin typeface="Montserrat Semi-Bold"/>
-              </a:rPr>
-              <a:t>veículos</a:t>
-            </a:r>
-            <a:r>
-              <a:rPr lang="en-US" sz="2282" dirty="0">
-                <a:solidFill>
-                  <a:srgbClr val="000000"/>
-                </a:solidFill>
-                <a:latin typeface="Montserrat Semi-Bold"/>
-              </a:rPr>
-              <a:t> de </a:t>
-            </a:r>
-            <a:r>
-              <a:rPr lang="en-US" sz="2282" dirty="0" err="1">
-                <a:solidFill>
-                  <a:srgbClr val="000000"/>
-                </a:solidFill>
-                <a:latin typeface="Montserrat Semi-Bold"/>
-              </a:rPr>
-              <a:t>luxo</a:t>
-            </a:r>
-            <a:endParaRPr lang="en-US" sz="2282" dirty="0">
+                  <a:schemeClr val="bg1"/>
+                </a:solidFill>
+                <a:latin typeface="Montserrat Semi-Bold"/>
+              </a:rPr>
+              <a:t>objetivo</a:t>
+            </a:r>
+            <a:endParaRPr lang="en-US" sz="5000" dirty="0">
               <a:solidFill>
-                <a:srgbClr val="000000"/>
+                <a:schemeClr val="bg1"/>
               </a:solidFill>
               <a:latin typeface="Montserrat Semi-Bold"/>
             </a:endParaRPr>
-          </a:p>
-          <a:p>
-            <a:pPr algn="just">
-              <a:lnSpc>
-                <a:spcPts val="3499"/>
-              </a:lnSpc>
-            </a:pPr>
-            <a:r>
-              <a:rPr lang="en-US" sz="2499" dirty="0">
-                <a:solidFill>
-                  <a:srgbClr val="000000"/>
-                </a:solidFill>
-                <a:latin typeface="Montserrat Semi-Bold"/>
-              </a:rPr>
-              <a:t>que </a:t>
-            </a:r>
-            <a:r>
-              <a:rPr lang="en-US" sz="2499" dirty="0" err="1">
-                <a:solidFill>
-                  <a:srgbClr val="000000"/>
-                </a:solidFill>
-                <a:latin typeface="Montserrat Semi-Bold"/>
-              </a:rPr>
-              <a:t>existem</a:t>
-            </a:r>
-            <a:r>
-              <a:rPr lang="en-US" sz="2499" dirty="0">
-                <a:solidFill>
-                  <a:srgbClr val="000000"/>
-                </a:solidFill>
-                <a:latin typeface="Montserrat Semi-Bold"/>
-              </a:rPr>
-              <a:t> </a:t>
-            </a:r>
-            <a:r>
-              <a:rPr lang="en-US" sz="2499" dirty="0" err="1">
-                <a:solidFill>
-                  <a:srgbClr val="000000"/>
-                </a:solidFill>
-                <a:latin typeface="Montserrat Semi-Bold"/>
-              </a:rPr>
-              <a:t>na</a:t>
-            </a:r>
-            <a:r>
-              <a:rPr lang="en-US" sz="2499" dirty="0">
-                <a:solidFill>
-                  <a:srgbClr val="000000"/>
-                </a:solidFill>
-                <a:latin typeface="Montserrat Semi-Bold"/>
-              </a:rPr>
-              <a:t> </a:t>
-            </a:r>
-            <a:r>
-              <a:rPr lang="en-US" sz="2499" dirty="0" err="1">
-                <a:solidFill>
-                  <a:srgbClr val="000000"/>
-                </a:solidFill>
-                <a:latin typeface="Montserrat Semi-Bold"/>
-              </a:rPr>
-              <a:t>atualidade</a:t>
-            </a:r>
-            <a:r>
-              <a:rPr lang="en-US" sz="2499" dirty="0">
-                <a:solidFill>
-                  <a:srgbClr val="000000"/>
-                </a:solidFill>
-                <a:latin typeface="Montserrat Semi-Bold"/>
-              </a:rPr>
-              <a:t>.</a:t>
-            </a:r>
-          </a:p>
-          <a:p>
-            <a:pPr algn="just">
-              <a:lnSpc>
-                <a:spcPts val="3499"/>
-              </a:lnSpc>
-            </a:pPr>
-            <a:endParaRPr lang="en-US" sz="2499" dirty="0">
-              <a:solidFill>
-                <a:srgbClr val="000000"/>
-              </a:solidFill>
-              <a:latin typeface="Montserrat Semi-Bold"/>
-            </a:endParaRPr>
-          </a:p>
-          <a:p>
-            <a:pPr algn="just">
-              <a:lnSpc>
-                <a:spcPts val="3499"/>
-              </a:lnSpc>
-            </a:pPr>
-            <a:r>
-              <a:rPr lang="en-US" sz="2499" dirty="0" err="1">
-                <a:solidFill>
-                  <a:srgbClr val="000000"/>
-                </a:solidFill>
-                <a:latin typeface="Montserrat Semi-Bold"/>
-              </a:rPr>
-              <a:t>Nosso</a:t>
-            </a:r>
-            <a:r>
-              <a:rPr lang="en-US" sz="2499" dirty="0">
-                <a:solidFill>
-                  <a:srgbClr val="000000"/>
-                </a:solidFill>
-                <a:latin typeface="Montserrat Semi-Bold"/>
-              </a:rPr>
-              <a:t> </a:t>
-            </a:r>
-            <a:r>
-              <a:rPr lang="en-US" sz="2499" dirty="0" err="1">
-                <a:solidFill>
-                  <a:srgbClr val="000000"/>
-                </a:solidFill>
-                <a:latin typeface="Montserrat Semi-Bold"/>
-              </a:rPr>
-              <a:t>foco</a:t>
-            </a:r>
-            <a:r>
-              <a:rPr lang="en-US" sz="2499" dirty="0">
-                <a:solidFill>
-                  <a:srgbClr val="000000"/>
-                </a:solidFill>
-                <a:latin typeface="Montserrat Semi-Bold"/>
-              </a:rPr>
-              <a:t> é </a:t>
-            </a:r>
-            <a:r>
-              <a:rPr lang="en-US" sz="2499" dirty="0" err="1">
-                <a:solidFill>
-                  <a:srgbClr val="000000"/>
-                </a:solidFill>
-                <a:latin typeface="Montserrat Semi-Bold"/>
-              </a:rPr>
-              <a:t>garantir</a:t>
-            </a:r>
-            <a:r>
-              <a:rPr lang="en-US" sz="2499" dirty="0">
-                <a:solidFill>
-                  <a:srgbClr val="000000"/>
-                </a:solidFill>
-                <a:latin typeface="Montserrat Semi-Bold"/>
-              </a:rPr>
-              <a:t> que </a:t>
-            </a:r>
-            <a:r>
-              <a:rPr lang="en-US" sz="2499" dirty="0" err="1">
-                <a:solidFill>
-                  <a:srgbClr val="000000"/>
-                </a:solidFill>
-                <a:latin typeface="Montserrat Semi-Bold"/>
-              </a:rPr>
-              <a:t>nossos</a:t>
-            </a:r>
-            <a:endParaRPr lang="en-US" sz="2499" dirty="0">
-              <a:solidFill>
-                <a:srgbClr val="000000"/>
-              </a:solidFill>
-              <a:latin typeface="Montserrat Semi-Bold"/>
-            </a:endParaRPr>
-          </a:p>
-          <a:p>
-            <a:pPr algn="just">
-              <a:lnSpc>
-                <a:spcPts val="3499"/>
-              </a:lnSpc>
-            </a:pPr>
-            <a:r>
-              <a:rPr lang="en-US" sz="2499" dirty="0" err="1">
-                <a:solidFill>
-                  <a:srgbClr val="000000"/>
-                </a:solidFill>
-                <a:latin typeface="Montserrat Semi-Bold"/>
-              </a:rPr>
-              <a:t>clientes</a:t>
-            </a:r>
-            <a:r>
-              <a:rPr lang="en-US" sz="2499" dirty="0">
-                <a:solidFill>
-                  <a:srgbClr val="000000"/>
-                </a:solidFill>
-                <a:latin typeface="Montserrat Semi-Bold"/>
-              </a:rPr>
-              <a:t> sempre </a:t>
-            </a:r>
-            <a:r>
-              <a:rPr lang="en-US" sz="2499" dirty="0" err="1">
-                <a:solidFill>
-                  <a:srgbClr val="000000"/>
-                </a:solidFill>
-                <a:latin typeface="Montserrat Semi-Bold"/>
-              </a:rPr>
-              <a:t>tenham</a:t>
-            </a:r>
-            <a:r>
-              <a:rPr lang="en-US" sz="2499" dirty="0">
-                <a:solidFill>
-                  <a:srgbClr val="000000"/>
-                </a:solidFill>
-                <a:latin typeface="Montserrat Semi-Bold"/>
-              </a:rPr>
-              <a:t> o </a:t>
-            </a:r>
-            <a:r>
-              <a:rPr lang="en-US" sz="2499" dirty="0" err="1">
-                <a:solidFill>
-                  <a:srgbClr val="000000"/>
-                </a:solidFill>
-                <a:latin typeface="Montserrat Semi-Bold"/>
-              </a:rPr>
-              <a:t>melhor</a:t>
-            </a:r>
-            <a:r>
-              <a:rPr lang="en-US" sz="2499" dirty="0">
-                <a:solidFill>
-                  <a:srgbClr val="000000"/>
-                </a:solidFill>
-                <a:latin typeface="Montserrat Semi-Bold"/>
-              </a:rPr>
-              <a:t>, </a:t>
-            </a:r>
-            <a:r>
-              <a:rPr lang="en-US" sz="2499" dirty="0" err="1">
-                <a:solidFill>
-                  <a:srgbClr val="000000"/>
-                </a:solidFill>
-                <a:latin typeface="Montserrat Semi-Bold"/>
-              </a:rPr>
-              <a:t>mais</a:t>
-            </a:r>
-            <a:r>
-              <a:rPr lang="en-US" sz="2499" dirty="0">
-                <a:solidFill>
-                  <a:srgbClr val="000000"/>
-                </a:solidFill>
-                <a:latin typeface="Montserrat Semi-Bold"/>
-              </a:rPr>
-              <a:t> </a:t>
-            </a:r>
-            <a:r>
-              <a:rPr lang="en-US" sz="2499" dirty="0" err="1">
-                <a:solidFill>
-                  <a:srgbClr val="000000"/>
-                </a:solidFill>
-                <a:latin typeface="Montserrat Semi-Bold"/>
-              </a:rPr>
-              <a:t>potente</a:t>
-            </a:r>
-            <a:r>
-              <a:rPr lang="en-US" sz="2499" dirty="0">
-                <a:solidFill>
-                  <a:srgbClr val="000000"/>
-                </a:solidFill>
-                <a:latin typeface="Montserrat Semi-Bold"/>
-              </a:rPr>
-              <a:t> e </a:t>
-            </a:r>
-            <a:r>
-              <a:rPr lang="en-US" sz="2499" dirty="0" err="1">
-                <a:solidFill>
-                  <a:srgbClr val="000000"/>
-                </a:solidFill>
-                <a:latin typeface="Montserrat Semi-Bold"/>
-              </a:rPr>
-              <a:t>belo</a:t>
-            </a:r>
-            <a:r>
-              <a:rPr lang="en-US" sz="2499" dirty="0">
-                <a:solidFill>
-                  <a:srgbClr val="000000"/>
-                </a:solidFill>
-                <a:latin typeface="Montserrat Semi-Bold"/>
-              </a:rPr>
-              <a:t> </a:t>
-            </a:r>
-            <a:r>
-              <a:rPr lang="en-US" sz="2499" dirty="0" err="1">
-                <a:solidFill>
-                  <a:srgbClr val="000000"/>
-                </a:solidFill>
-                <a:latin typeface="Montserrat Semi-Bold"/>
-              </a:rPr>
-              <a:t>veículo</a:t>
-            </a:r>
-            <a:r>
-              <a:rPr lang="en-US" sz="2499" dirty="0">
-                <a:solidFill>
-                  <a:srgbClr val="000000"/>
-                </a:solidFill>
-                <a:latin typeface="Montserrat Semi-Bold"/>
-              </a:rPr>
-              <a:t>.</a:t>
-            </a:r>
-          </a:p>
-        </p:txBody>
-      </p:sp>
-      <p:sp>
-        <p:nvSpPr>
-          <p:cNvPr id="5" name="TextBox 3">
-            <a:extLst>
-              <a:ext uri="{FF2B5EF4-FFF2-40B4-BE49-F238E27FC236}">
-                <a16:creationId xmlns:a16="http://schemas.microsoft.com/office/drawing/2014/main" id="{D9AF2D04-8111-161E-8AB9-E2F5B3C4875D}"/>
-              </a:ext>
-            </a:extLst>
-          </p:cNvPr>
-          <p:cNvSpPr txBox="1"/>
-          <p:nvPr/>
-        </p:nvSpPr>
-        <p:spPr>
-          <a:xfrm rot="16200000">
-            <a:off x="6155270" y="3293530"/>
-            <a:ext cx="6305502" cy="1090042"/>
-          </a:xfrm>
-          <a:prstGeom prst="rect">
-            <a:avLst/>
-          </a:prstGeom>
-        </p:spPr>
-        <p:txBody>
-          <a:bodyPr wrap="square" lIns="0" tIns="0" rIns="0" bIns="0" rtlCol="0" anchor="t">
-            <a:spAutoFit/>
-          </a:bodyPr>
-          <a:lstStyle/>
-          <a:p>
-            <a:pPr>
-              <a:lnSpc>
-                <a:spcPts val="8499"/>
-              </a:lnSpc>
-            </a:pPr>
-            <a:r>
-              <a:rPr lang="en-US" sz="8499" dirty="0">
-                <a:solidFill>
-                  <a:srgbClr val="201F1F">
-                    <a:alpha val="28627"/>
-                  </a:srgbClr>
-                </a:solidFill>
-                <a:latin typeface="Montserrat Semi-Bold"/>
-              </a:rPr>
-              <a:t>R a b e l </a:t>
-            </a:r>
-            <a:r>
-              <a:rPr lang="en-US" sz="8499" dirty="0" err="1">
-                <a:solidFill>
-                  <a:srgbClr val="201F1F">
-                    <a:alpha val="28627"/>
-                  </a:srgbClr>
-                </a:solidFill>
-                <a:latin typeface="Montserrat Semi-Bold"/>
-              </a:rPr>
-              <a:t>l</a:t>
-            </a:r>
-            <a:r>
-              <a:rPr lang="en-US" sz="8499" dirty="0">
-                <a:solidFill>
-                  <a:srgbClr val="201F1F">
-                    <a:alpha val="28627"/>
-                  </a:srgbClr>
-                </a:solidFill>
-                <a:latin typeface="Montserrat Semi-Bold"/>
-              </a:rPr>
-              <a:t> o</a:t>
-            </a:r>
           </a:p>
         </p:txBody>
       </p:sp>
@@ -4716,7 +4716,7 @@
         </p:nvSpPr>
         <p:spPr>
           <a:xfrm>
-            <a:off x="2895600" y="2514600"/>
+            <a:off x="2895600" y="2667000"/>
             <a:ext cx="3733800" cy="369332"/>
           </a:xfrm>
           <a:prstGeom prst="rect">
@@ -4753,7 +4753,7 @@
         </p:nvSpPr>
         <p:spPr>
           <a:xfrm>
-            <a:off x="2895600" y="3006359"/>
+            <a:off x="2895600" y="3200922"/>
             <a:ext cx="3733800" cy="369332"/>
           </a:xfrm>
           <a:prstGeom prst="rect">
@@ -4811,7 +4811,7 @@
         </p:nvSpPr>
         <p:spPr>
           <a:xfrm>
-            <a:off x="2895600" y="3620545"/>
+            <a:off x="2914650" y="3734844"/>
             <a:ext cx="3733800" cy="369332"/>
           </a:xfrm>
           <a:prstGeom prst="rect">
@@ -4848,7 +4848,7 @@
         </p:nvSpPr>
         <p:spPr>
           <a:xfrm>
-            <a:off x="2895600" y="4234731"/>
+            <a:off x="2895600" y="4268766"/>
             <a:ext cx="3733800" cy="369332"/>
           </a:xfrm>
           <a:prstGeom prst="rect">
@@ -4897,7 +4897,7 @@
         </p:nvSpPr>
         <p:spPr>
           <a:xfrm>
-            <a:off x="2895600" y="4848917"/>
+            <a:off x="2886075" y="4802688"/>
             <a:ext cx="3733800" cy="369332"/>
           </a:xfrm>
           <a:prstGeom prst="rect">
@@ -5368,12 +5368,22 @@
             <a:r>
               <a:rPr lang="pt-BR" sz="3200" b="1" i="1" u="none" strike="noStrike" dirty="0">
                 <a:solidFill>
-                  <a:srgbClr val="000000"/>
+                  <a:schemeClr val="bg1"/>
                 </a:solidFill>
                 <a:effectLst/>
                 <a:latin typeface="Montserrat" panose="00000500000000000000" pitchFamily="2" charset="0"/>
               </a:rPr>
-              <a:t>UM AGRADECIMENTO A TODOS OS PARCEIROS E COLABORADORES QUE FIZERAM PARTE DESSE PROJETO...</a:t>
+              <a:t>UM</a:t>
+            </a:r>
+            <a:r>
+              <a:rPr lang="pt-BR" sz="3200" b="1" i="1" u="none" strike="noStrike" dirty="0">
+                <a:solidFill>
+                  <a:srgbClr val="000000"/>
+                </a:solidFill>
+                <a:effectLst/>
+                <a:latin typeface="Montserrat" panose="00000500000000000000" pitchFamily="2" charset="0"/>
+              </a:rPr>
+              <a:t> AGRADECIMENTO A TODOS OS PARCEIROS E COLABORADORES QUE FIZERAM PARTE DESSE PROJETO...</a:t>
             </a:r>
           </a:p>
           <a:p>
